--- a/src/main/java/com/ac/day20190305/20190305.pptx
+++ b/src/main/java/com/ac/day20190305/20190305.pptx
@@ -6,8 +6,6 @@
   </p:sldMasterIdLst>
   <p:sldIdLst>
     <p:sldId id="256" r:id="rId2"/>
-    <p:sldId id="257" r:id="rId3"/>
-    <p:sldId id="258" r:id="rId4"/>
   </p:sldIdLst>
   <p:sldSz cx="12192000" cy="6858000"/>
   <p:notesSz cx="6858000" cy="9144000"/>
@@ -273,7 +271,7 @@
           <a:p>
             <a:fld id="{8EFAD526-FDB9-46BC-83A8-CD6DFC0F7FFF}" type="datetimeFigureOut">
               <a:rPr lang="zh-CN" altLang="en-US" smtClean="0"/>
-              <a:t>2019/3/3</a:t>
+              <a:t>2019/3/5</a:t>
             </a:fld>
             <a:endParaRPr lang="zh-CN" altLang="en-US"/>
           </a:p>
@@ -471,7 +469,7 @@
           <a:p>
             <a:fld id="{8EFAD526-FDB9-46BC-83A8-CD6DFC0F7FFF}" type="datetimeFigureOut">
               <a:rPr lang="zh-CN" altLang="en-US" smtClean="0"/>
-              <a:t>2019/3/3</a:t>
+              <a:t>2019/3/5</a:t>
             </a:fld>
             <a:endParaRPr lang="zh-CN" altLang="en-US"/>
           </a:p>
@@ -679,7 +677,7 @@
           <a:p>
             <a:fld id="{8EFAD526-FDB9-46BC-83A8-CD6DFC0F7FFF}" type="datetimeFigureOut">
               <a:rPr lang="zh-CN" altLang="en-US" smtClean="0"/>
-              <a:t>2019/3/3</a:t>
+              <a:t>2019/3/5</a:t>
             </a:fld>
             <a:endParaRPr lang="zh-CN" altLang="en-US"/>
           </a:p>
@@ -877,7 +875,7 @@
           <a:p>
             <a:fld id="{8EFAD526-FDB9-46BC-83A8-CD6DFC0F7FFF}" type="datetimeFigureOut">
               <a:rPr lang="zh-CN" altLang="en-US" smtClean="0"/>
-              <a:t>2019/3/3</a:t>
+              <a:t>2019/3/5</a:t>
             </a:fld>
             <a:endParaRPr lang="zh-CN" altLang="en-US"/>
           </a:p>
@@ -1152,7 +1150,7 @@
           <a:p>
             <a:fld id="{8EFAD526-FDB9-46BC-83A8-CD6DFC0F7FFF}" type="datetimeFigureOut">
               <a:rPr lang="zh-CN" altLang="en-US" smtClean="0"/>
-              <a:t>2019/3/3</a:t>
+              <a:t>2019/3/5</a:t>
             </a:fld>
             <a:endParaRPr lang="zh-CN" altLang="en-US"/>
           </a:p>
@@ -1417,7 +1415,7 @@
           <a:p>
             <a:fld id="{8EFAD526-FDB9-46BC-83A8-CD6DFC0F7FFF}" type="datetimeFigureOut">
               <a:rPr lang="zh-CN" altLang="en-US" smtClean="0"/>
-              <a:t>2019/3/3</a:t>
+              <a:t>2019/3/5</a:t>
             </a:fld>
             <a:endParaRPr lang="zh-CN" altLang="en-US"/>
           </a:p>
@@ -1829,7 +1827,7 @@
           <a:p>
             <a:fld id="{8EFAD526-FDB9-46BC-83A8-CD6DFC0F7FFF}" type="datetimeFigureOut">
               <a:rPr lang="zh-CN" altLang="en-US" smtClean="0"/>
-              <a:t>2019/3/3</a:t>
+              <a:t>2019/3/5</a:t>
             </a:fld>
             <a:endParaRPr lang="zh-CN" altLang="en-US"/>
           </a:p>
@@ -1970,7 +1968,7 @@
           <a:p>
             <a:fld id="{8EFAD526-FDB9-46BC-83A8-CD6DFC0F7FFF}" type="datetimeFigureOut">
               <a:rPr lang="zh-CN" altLang="en-US" smtClean="0"/>
-              <a:t>2019/3/3</a:t>
+              <a:t>2019/3/5</a:t>
             </a:fld>
             <a:endParaRPr lang="zh-CN" altLang="en-US"/>
           </a:p>
@@ -2083,7 +2081,7 @@
           <a:p>
             <a:fld id="{8EFAD526-FDB9-46BC-83A8-CD6DFC0F7FFF}" type="datetimeFigureOut">
               <a:rPr lang="zh-CN" altLang="en-US" smtClean="0"/>
-              <a:t>2019/3/3</a:t>
+              <a:t>2019/3/5</a:t>
             </a:fld>
             <a:endParaRPr lang="zh-CN" altLang="en-US"/>
           </a:p>
@@ -2394,7 +2392,7 @@
           <a:p>
             <a:fld id="{8EFAD526-FDB9-46BC-83A8-CD6DFC0F7FFF}" type="datetimeFigureOut">
               <a:rPr lang="zh-CN" altLang="en-US" smtClean="0"/>
-              <a:t>2019/3/3</a:t>
+              <a:t>2019/3/5</a:t>
             </a:fld>
             <a:endParaRPr lang="zh-CN" altLang="en-US"/>
           </a:p>
@@ -2682,7 +2680,7 @@
           <a:p>
             <a:fld id="{8EFAD526-FDB9-46BC-83A8-CD6DFC0F7FFF}" type="datetimeFigureOut">
               <a:rPr lang="zh-CN" altLang="en-US" smtClean="0"/>
-              <a:t>2019/3/3</a:t>
+              <a:t>2019/3/5</a:t>
             </a:fld>
             <a:endParaRPr lang="zh-CN" altLang="en-US"/>
           </a:p>
@@ -2923,7 +2921,7 @@
           <a:p>
             <a:fld id="{8EFAD526-FDB9-46BC-83A8-CD6DFC0F7FFF}" type="datetimeFigureOut">
               <a:rPr lang="zh-CN" altLang="en-US" smtClean="0"/>
-              <a:t>2019/3/3</a:t>
+              <a:t>2019/3/5</a:t>
             </a:fld>
             <a:endParaRPr lang="zh-CN" altLang="en-US"/>
           </a:p>
@@ -3342,58 +3340,84 @@
       </p:grpSpPr>
       <p:sp>
         <p:nvSpPr>
-          <p:cNvPr id="4" name="矩形 3">
-            <a:extLst>
-              <a:ext uri="{FF2B5EF4-FFF2-40B4-BE49-F238E27FC236}">
-                <a16:creationId xmlns:a16="http://schemas.microsoft.com/office/drawing/2014/main" id="{7246AA2C-49C6-4FA2-B633-3008FFFA71DA}"/>
-              </a:ext>
-            </a:extLst>
-          </p:cNvPr>
-          <p:cNvSpPr/>
+          <p:cNvPr id="4" name="文本框 3">
+            <a:extLst>
+              <a:ext uri="{FF2B5EF4-FFF2-40B4-BE49-F238E27FC236}">
+                <a16:creationId xmlns:a16="http://schemas.microsoft.com/office/drawing/2014/main" id="{21F4F557-0E03-4CC1-B0B4-24A1228972E2}"/>
+              </a:ext>
+            </a:extLst>
+          </p:cNvPr>
+          <p:cNvSpPr txBox="1"/>
           <p:nvPr/>
         </p:nvSpPr>
         <p:spPr>
           <a:xfrm>
-            <a:off x="3096125" y="1155032"/>
-            <a:ext cx="505327" cy="352926"/>
+            <a:off x="673768" y="368968"/>
+            <a:ext cx="1800493" cy="369332"/>
+          </a:xfrm>
+          <a:prstGeom prst="rect">
+            <a:avLst/>
+          </a:prstGeom>
+          <a:noFill/>
+        </p:spPr>
+        <p:txBody>
+          <a:bodyPr wrap="none" rtlCol="0">
+            <a:spAutoFit/>
+          </a:bodyPr>
+          <a:lstStyle/>
+          <a:p>
+            <a:r>
+              <a:rPr lang="zh-CN" altLang="en-US" dirty="0"/>
+              <a:t>国际化程序实现</a:t>
+            </a:r>
+          </a:p>
+        </p:txBody>
+      </p:sp>
+      <p:pic>
+        <p:nvPicPr>
+          <p:cNvPr id="6" name="图形 5" descr="文档">
+            <a:extLst>
+              <a:ext uri="{FF2B5EF4-FFF2-40B4-BE49-F238E27FC236}">
+                <a16:creationId xmlns:a16="http://schemas.microsoft.com/office/drawing/2014/main" id="{E2118FD2-E6CD-4EE5-8758-B2D5BC5C829C}"/>
+              </a:ext>
+            </a:extLst>
+          </p:cNvPr>
+          <p:cNvPicPr>
+            <a:picLocks noChangeAspect="1"/>
+          </p:cNvPicPr>
+          <p:nvPr/>
+        </p:nvPicPr>
+        <p:blipFill>
+          <a:blip r:embed="rId2">
+            <a:extLst>
+              <a:ext uri="{28A0092B-C50C-407E-A947-70E740481C1C}">
+                <a14:useLocalDpi xmlns:a14="http://schemas.microsoft.com/office/drawing/2010/main" val="0"/>
+              </a:ext>
+              <a:ext uri="{96DAC541-7B7A-43D3-8B79-37D633B846F1}">
+                <asvg:svgBlip xmlns:asvg="http://schemas.microsoft.com/office/drawing/2016/SVG/main" r:embed="rId3"/>
+              </a:ext>
+            </a:extLst>
+          </a:blip>
+          <a:stretch>
+            <a:fillRect/>
+          </a:stretch>
+        </p:blipFill>
+        <p:spPr>
+          <a:xfrm>
+            <a:off x="2193757" y="4259179"/>
+            <a:ext cx="1038727" cy="1038727"/>
           </a:xfrm>
           <a:prstGeom prst="rect">
             <a:avLst/>
           </a:prstGeom>
         </p:spPr>
-        <p:style>
-          <a:lnRef idx="1">
-            <a:schemeClr val="accent1"/>
-          </a:lnRef>
-          <a:fillRef idx="2">
-            <a:schemeClr val="accent1"/>
-          </a:fillRef>
-          <a:effectRef idx="1">
-            <a:schemeClr val="accent1"/>
-          </a:effectRef>
-          <a:fontRef idx="minor">
-            <a:schemeClr val="dk1"/>
-          </a:fontRef>
-        </p:style>
-        <p:txBody>
-          <a:bodyPr rtlCol="0" anchor="ctr"/>
-          <a:lstStyle/>
-          <a:p>
-            <a:pPr algn="ctr"/>
-            <a:r>
-              <a:rPr lang="en-US" altLang="zh-CN" sz="1400" dirty="0"/>
-              <a:t>15</a:t>
-            </a:r>
-            <a:endParaRPr lang="zh-CN" altLang="en-US" sz="1400" dirty="0"/>
-          </a:p>
-        </p:txBody>
-      </p:sp>
-      <p:sp>
-        <p:nvSpPr>
-          <p:cNvPr id="5" name="矩形 4">
-            <a:extLst>
-              <a:ext uri="{FF2B5EF4-FFF2-40B4-BE49-F238E27FC236}">
-                <a16:creationId xmlns:a16="http://schemas.microsoft.com/office/drawing/2014/main" id="{DE8B1631-979E-4296-BE1E-09AA657FDCB9}"/>
+      </p:pic>
+      <p:sp>
+        <p:nvSpPr>
+          <p:cNvPr id="8" name="立方体 7">
+            <a:extLst>
+              <a:ext uri="{FF2B5EF4-FFF2-40B4-BE49-F238E27FC236}">
+                <a16:creationId xmlns:a16="http://schemas.microsoft.com/office/drawing/2014/main" id="{F8A60616-A723-440B-BC6A-76FC5FAEEA51}"/>
               </a:ext>
             </a:extLst>
           </p:cNvPr>
@@ -3402,105 +3426,10 @@
         </p:nvSpPr>
         <p:spPr>
           <a:xfrm>
-            <a:off x="4203031" y="1155032"/>
-            <a:ext cx="505327" cy="352926"/>
+            <a:off x="3593432" y="2113546"/>
+            <a:ext cx="2045368" cy="721895"/>
           </a:xfrm>
-          <a:prstGeom prst="rect">
-            <a:avLst/>
-          </a:prstGeom>
-        </p:spPr>
-        <p:style>
-          <a:lnRef idx="1">
-            <a:schemeClr val="accent1"/>
-          </a:lnRef>
-          <a:fillRef idx="2">
-            <a:schemeClr val="accent1"/>
-          </a:fillRef>
-          <a:effectRef idx="1">
-            <a:schemeClr val="accent1"/>
-          </a:effectRef>
-          <a:fontRef idx="minor">
-            <a:schemeClr val="dk1"/>
-          </a:fontRef>
-        </p:style>
-        <p:txBody>
-          <a:bodyPr rtlCol="0" anchor="ctr"/>
-          <a:lstStyle/>
-          <a:p>
-            <a:pPr algn="ctr"/>
-            <a:r>
-              <a:rPr lang="en-US" altLang="zh-CN" sz="1400" dirty="0"/>
-              <a:t>.</a:t>
-            </a:r>
-          </a:p>
-        </p:txBody>
-      </p:sp>
-      <p:sp>
-        <p:nvSpPr>
-          <p:cNvPr id="6" name="矩形 5">
-            <a:extLst>
-              <a:ext uri="{FF2B5EF4-FFF2-40B4-BE49-F238E27FC236}">
-                <a16:creationId xmlns:a16="http://schemas.microsoft.com/office/drawing/2014/main" id="{D671616A-2165-4BC0-9A3D-C6039BC0242C}"/>
-              </a:ext>
-            </a:extLst>
-          </p:cNvPr>
-          <p:cNvSpPr/>
-          <p:nvPr/>
-        </p:nvSpPr>
-        <p:spPr>
-          <a:xfrm>
-            <a:off x="5309937" y="1155032"/>
-            <a:ext cx="505327" cy="352926"/>
-          </a:xfrm>
-          <a:prstGeom prst="rect">
-            <a:avLst/>
-          </a:prstGeom>
-        </p:spPr>
-        <p:style>
-          <a:lnRef idx="1">
-            <a:schemeClr val="accent1"/>
-          </a:lnRef>
-          <a:fillRef idx="2">
-            <a:schemeClr val="accent1"/>
-          </a:fillRef>
-          <a:effectRef idx="1">
-            <a:schemeClr val="accent1"/>
-          </a:effectRef>
-          <a:fontRef idx="minor">
-            <a:schemeClr val="dk1"/>
-          </a:fontRef>
-        </p:style>
-        <p:txBody>
-          <a:bodyPr rtlCol="0" anchor="ctr"/>
-          <a:lstStyle/>
-          <a:p>
-            <a:pPr algn="ctr"/>
-            <a:r>
-              <a:rPr lang="en-US" altLang="zh-CN" sz="1400" dirty="0"/>
-              <a:t>3</a:t>
-            </a:r>
-            <a:endParaRPr lang="zh-CN" altLang="en-US" sz="1400" dirty="0"/>
-          </a:p>
-        </p:txBody>
-      </p:sp>
-      <p:sp>
-        <p:nvSpPr>
-          <p:cNvPr id="7" name="矩形 6">
-            <a:extLst>
-              <a:ext uri="{FF2B5EF4-FFF2-40B4-BE49-F238E27FC236}">
-                <a16:creationId xmlns:a16="http://schemas.microsoft.com/office/drawing/2014/main" id="{1D58AA99-7AEF-4CD7-A4AF-9324AAD0C5C2}"/>
-              </a:ext>
-            </a:extLst>
-          </p:cNvPr>
-          <p:cNvSpPr/>
-          <p:nvPr/>
-        </p:nvSpPr>
-        <p:spPr>
-          <a:xfrm>
-            <a:off x="2141619" y="2133600"/>
-            <a:ext cx="665749" cy="352926"/>
-          </a:xfrm>
-          <a:prstGeom prst="rect">
+          <a:prstGeom prst="cube">
             <a:avLst/>
           </a:prstGeom>
         </p:spPr>
@@ -3524,38 +3453,315 @@
           <a:p>
             <a:pPr algn="ctr"/>
             <a:r>
-              <a:rPr lang="en-US" altLang="zh-CN" sz="1400" dirty="0"/>
-              <a:t>\\d+</a:t>
-            </a:r>
-            <a:endParaRPr lang="zh-CN" altLang="en-US" sz="1400" dirty="0"/>
+              <a:rPr lang="zh-CN" altLang="en-US" dirty="0"/>
+              <a:t>软件项目</a:t>
+            </a:r>
+          </a:p>
+        </p:txBody>
+      </p:sp>
+      <p:pic>
+        <p:nvPicPr>
+          <p:cNvPr id="10" name="图形 9" descr="Internet">
+            <a:extLst>
+              <a:ext uri="{FF2B5EF4-FFF2-40B4-BE49-F238E27FC236}">
+                <a16:creationId xmlns:a16="http://schemas.microsoft.com/office/drawing/2014/main" id="{25F5B13C-1426-475D-9727-5208F3BB88C8}"/>
+              </a:ext>
+            </a:extLst>
+          </p:cNvPr>
+          <p:cNvPicPr>
+            <a:picLocks noChangeAspect="1"/>
+          </p:cNvPicPr>
+          <p:nvPr/>
+        </p:nvPicPr>
+        <p:blipFill>
+          <a:blip r:embed="rId4">
+            <a:extLst>
+              <a:ext uri="{28A0092B-C50C-407E-A947-70E740481C1C}">
+                <a14:useLocalDpi xmlns:a14="http://schemas.microsoft.com/office/drawing/2010/main" val="0"/>
+              </a:ext>
+              <a:ext uri="{96DAC541-7B7A-43D3-8B79-37D633B846F1}">
+                <asvg:svgBlip xmlns:asvg="http://schemas.microsoft.com/office/drawing/2016/SVG/main" r:embed="rId5"/>
+              </a:ext>
+            </a:extLst>
+          </a:blip>
+          <a:stretch>
+            <a:fillRect/>
+          </a:stretch>
+        </p:blipFill>
+        <p:spPr>
+          <a:xfrm>
+            <a:off x="8309811" y="1544052"/>
+            <a:ext cx="1780673" cy="1780673"/>
+          </a:xfrm>
+          <a:prstGeom prst="rect">
+            <a:avLst/>
+          </a:prstGeom>
+        </p:spPr>
+      </p:pic>
+      <p:pic>
+        <p:nvPicPr>
+          <p:cNvPr id="11" name="图形 10" descr="文档">
+            <a:extLst>
+              <a:ext uri="{FF2B5EF4-FFF2-40B4-BE49-F238E27FC236}">
+                <a16:creationId xmlns:a16="http://schemas.microsoft.com/office/drawing/2014/main" id="{B10912DF-CE1A-447A-9D14-EEA25042EA46}"/>
+              </a:ext>
+            </a:extLst>
+          </p:cNvPr>
+          <p:cNvPicPr>
+            <a:picLocks noChangeAspect="1"/>
+          </p:cNvPicPr>
+          <p:nvPr/>
+        </p:nvPicPr>
+        <p:blipFill>
+          <a:blip r:embed="rId2">
+            <a:extLst>
+              <a:ext uri="{28A0092B-C50C-407E-A947-70E740481C1C}">
+                <a14:useLocalDpi xmlns:a14="http://schemas.microsoft.com/office/drawing/2010/main" val="0"/>
+              </a:ext>
+              <a:ext uri="{96DAC541-7B7A-43D3-8B79-37D633B846F1}">
+                <asvg:svgBlip xmlns:asvg="http://schemas.microsoft.com/office/drawing/2016/SVG/main" r:embed="rId3"/>
+              </a:ext>
+            </a:extLst>
+          </a:blip>
+          <a:stretch>
+            <a:fillRect/>
+          </a:stretch>
+        </p:blipFill>
+        <p:spPr>
+          <a:xfrm>
+            <a:off x="5618744" y="4259178"/>
+            <a:ext cx="1038727" cy="1038727"/>
+          </a:xfrm>
+          <a:prstGeom prst="rect">
+            <a:avLst/>
+          </a:prstGeom>
+        </p:spPr>
+      </p:pic>
+      <p:sp>
+        <p:nvSpPr>
+          <p:cNvPr id="12" name="文本框 11">
+            <a:extLst>
+              <a:ext uri="{FF2B5EF4-FFF2-40B4-BE49-F238E27FC236}">
+                <a16:creationId xmlns:a16="http://schemas.microsoft.com/office/drawing/2014/main" id="{2D9D8E2D-0F56-4426-B928-3E7EA4FB48DB}"/>
+              </a:ext>
+            </a:extLst>
+          </p:cNvPr>
+          <p:cNvSpPr txBox="1"/>
+          <p:nvPr/>
+        </p:nvSpPr>
+        <p:spPr>
+          <a:xfrm>
+            <a:off x="4171377" y="4593875"/>
+            <a:ext cx="508473" cy="369332"/>
+          </a:xfrm>
+          <a:prstGeom prst="rect">
+            <a:avLst/>
+          </a:prstGeom>
+          <a:noFill/>
+        </p:spPr>
+        <p:txBody>
+          <a:bodyPr wrap="none" rtlCol="0">
+            <a:spAutoFit/>
+          </a:bodyPr>
+          <a:lstStyle/>
+          <a:p>
+            <a:r>
+              <a:rPr lang="en-US" altLang="zh-CN" dirty="0"/>
+              <a:t>……</a:t>
+            </a:r>
+            <a:endParaRPr lang="zh-CN" altLang="en-US" dirty="0"/>
+          </a:p>
+        </p:txBody>
+      </p:sp>
+      <p:sp>
+        <p:nvSpPr>
+          <p:cNvPr id="13" name="文本框 12">
+            <a:extLst>
+              <a:ext uri="{FF2B5EF4-FFF2-40B4-BE49-F238E27FC236}">
+                <a16:creationId xmlns:a16="http://schemas.microsoft.com/office/drawing/2014/main" id="{BB5E8FFE-328F-4772-BA34-62C7A40D8BBC}"/>
+              </a:ext>
+            </a:extLst>
+          </p:cNvPr>
+          <p:cNvSpPr txBox="1"/>
+          <p:nvPr/>
+        </p:nvSpPr>
+        <p:spPr>
+          <a:xfrm>
+            <a:off x="1909011" y="5297905"/>
+            <a:ext cx="1798890" cy="430887"/>
+          </a:xfrm>
+          <a:prstGeom prst="rect">
+            <a:avLst/>
+          </a:prstGeom>
+          <a:noFill/>
+        </p:spPr>
+        <p:txBody>
+          <a:bodyPr wrap="none" rtlCol="0">
+            <a:spAutoFit/>
+          </a:bodyPr>
+          <a:lstStyle/>
+          <a:p>
+            <a:r>
+              <a:rPr lang="zh-CN" altLang="en-US" sz="1100" dirty="0"/>
+              <a:t>英文信息资源文件</a:t>
+            </a:r>
+            <a:endParaRPr lang="en-US" altLang="zh-CN" sz="1100" dirty="0"/>
+          </a:p>
+          <a:p>
+            <a:r>
+              <a:rPr lang="en-US" altLang="zh-CN" sz="1100" dirty="0" err="1"/>
+              <a:t>Message_en_US.properties</a:t>
+            </a:r>
+            <a:endParaRPr lang="zh-CN" altLang="en-US" sz="1100" dirty="0"/>
+          </a:p>
+        </p:txBody>
+      </p:sp>
+      <p:sp>
+        <p:nvSpPr>
+          <p:cNvPr id="14" name="文本框 13">
+            <a:extLst>
+              <a:ext uri="{FF2B5EF4-FFF2-40B4-BE49-F238E27FC236}">
+                <a16:creationId xmlns:a16="http://schemas.microsoft.com/office/drawing/2014/main" id="{6343D54F-EAE7-4F14-8912-ED59AB807346}"/>
+              </a:ext>
+            </a:extLst>
+          </p:cNvPr>
+          <p:cNvSpPr txBox="1"/>
+          <p:nvPr/>
+        </p:nvSpPr>
+        <p:spPr>
+          <a:xfrm>
+            <a:off x="5238662" y="5297904"/>
+            <a:ext cx="1814920" cy="430887"/>
+          </a:xfrm>
+          <a:prstGeom prst="rect">
+            <a:avLst/>
+          </a:prstGeom>
+          <a:noFill/>
+        </p:spPr>
+        <p:txBody>
+          <a:bodyPr wrap="none" rtlCol="0">
+            <a:spAutoFit/>
+          </a:bodyPr>
+          <a:lstStyle/>
+          <a:p>
+            <a:r>
+              <a:rPr lang="zh-CN" altLang="en-US" sz="1100" dirty="0"/>
+              <a:t>中文信息资源文件</a:t>
+            </a:r>
+            <a:endParaRPr lang="en-US" altLang="zh-CN" sz="1100" dirty="0"/>
+          </a:p>
+          <a:p>
+            <a:r>
+              <a:rPr lang="en-US" altLang="zh-CN" sz="1100" dirty="0" err="1"/>
+              <a:t>Message_zh_CN.properties</a:t>
+            </a:r>
+            <a:endParaRPr lang="zh-CN" altLang="en-US" sz="1100" dirty="0"/>
+          </a:p>
+        </p:txBody>
+      </p:sp>
+      <p:sp>
+        <p:nvSpPr>
+          <p:cNvPr id="15" name="文本框 14">
+            <a:extLst>
+              <a:ext uri="{FF2B5EF4-FFF2-40B4-BE49-F238E27FC236}">
+                <a16:creationId xmlns:a16="http://schemas.microsoft.com/office/drawing/2014/main" id="{5D4604EF-971F-4741-B461-2B5EFCAD3B5C}"/>
+              </a:ext>
+            </a:extLst>
+          </p:cNvPr>
+          <p:cNvSpPr txBox="1"/>
+          <p:nvPr/>
+        </p:nvSpPr>
+        <p:spPr>
+          <a:xfrm>
+            <a:off x="4004410" y="1836546"/>
+            <a:ext cx="1223412" cy="276999"/>
+          </a:xfrm>
+          <a:prstGeom prst="rect">
+            <a:avLst/>
+          </a:prstGeom>
+          <a:noFill/>
+        </p:spPr>
+        <p:txBody>
+          <a:bodyPr wrap="none" rtlCol="0">
+            <a:spAutoFit/>
+          </a:bodyPr>
+          <a:lstStyle/>
+          <a:p>
+            <a:r>
+              <a:rPr lang="en-US" altLang="zh-CN" sz="1200" dirty="0"/>
+              <a:t>1.</a:t>
+            </a:r>
+            <a:r>
+              <a:rPr lang="zh-CN" altLang="en-US" sz="1200" dirty="0"/>
+              <a:t>使用软件操作</a:t>
+            </a:r>
+          </a:p>
+        </p:txBody>
+      </p:sp>
+      <p:sp>
+        <p:nvSpPr>
+          <p:cNvPr id="16" name="文本框 15">
+            <a:extLst>
+              <a:ext uri="{FF2B5EF4-FFF2-40B4-BE49-F238E27FC236}">
+                <a16:creationId xmlns:a16="http://schemas.microsoft.com/office/drawing/2014/main" id="{592D5A25-26C6-4730-8AF4-E7A643A69B82}"/>
+              </a:ext>
+            </a:extLst>
+          </p:cNvPr>
+          <p:cNvSpPr txBox="1"/>
+          <p:nvPr/>
+        </p:nvSpPr>
+        <p:spPr>
+          <a:xfrm>
+            <a:off x="6657471" y="4686208"/>
+            <a:ext cx="1880643" cy="276999"/>
+          </a:xfrm>
+          <a:prstGeom prst="rect">
+            <a:avLst/>
+          </a:prstGeom>
+          <a:noFill/>
+        </p:spPr>
+        <p:txBody>
+          <a:bodyPr wrap="none" rtlCol="0">
+            <a:spAutoFit/>
+          </a:bodyPr>
+          <a:lstStyle/>
+          <a:p>
+            <a:r>
+              <a:rPr lang="en-US" altLang="zh-CN" sz="1200" dirty="0"/>
+              <a:t>2. </a:t>
+            </a:r>
+            <a:r>
+              <a:rPr lang="zh-CN" altLang="en-US" sz="1200" dirty="0"/>
+              <a:t>语言环境加载文字信息</a:t>
+            </a:r>
           </a:p>
         </p:txBody>
       </p:sp>
       <p:cxnSp>
         <p:nvCxnSpPr>
-          <p:cNvPr id="9" name="连接符: 肘形 8">
-            <a:extLst>
-              <a:ext uri="{FF2B5EF4-FFF2-40B4-BE49-F238E27FC236}">
-                <a16:creationId xmlns:a16="http://schemas.microsoft.com/office/drawing/2014/main" id="{37D287AD-FC33-4AFB-B9F6-120ACF3BADB9}"/>
+          <p:cNvPr id="21" name="连接符: 肘形 20">
+            <a:extLst>
+              <a:ext uri="{FF2B5EF4-FFF2-40B4-BE49-F238E27FC236}">
+                <a16:creationId xmlns:a16="http://schemas.microsoft.com/office/drawing/2014/main" id="{9D2009AE-A1FD-4699-9639-78B81B9C9B0F}"/>
               </a:ext>
             </a:extLst>
           </p:cNvPr>
           <p:cNvCxnSpPr>
             <a:cxnSpLocks/>
-            <a:stCxn id="7" idx="0"/>
-            <a:endCxn id="4" idx="2"/>
+            <a:stCxn id="8" idx="2"/>
+            <a:endCxn id="6" idx="0"/>
           </p:cNvCxnSpPr>
           <p:nvPr/>
         </p:nvCxnSpPr>
         <p:spPr>
-          <a:xfrm rot="5400000" flipH="1" flipV="1">
-            <a:off x="2598820" y="1383632"/>
-            <a:ext cx="625642" cy="874295"/>
+          <a:xfrm rot="10800000" flipV="1">
+            <a:off x="2713122" y="2564729"/>
+            <a:ext cx="880311" cy="1694449"/>
           </a:xfrm>
-          <a:prstGeom prst="bentConnector3">
+          <a:prstGeom prst="bentConnector2">
             <a:avLst/>
           </a:prstGeom>
-          <a:ln w="19050">
+          <a:ln w="28575">
             <a:tailEnd type="triangle"/>
           </a:ln>
         </p:spPr>
@@ -3574,79 +3780,33 @@
           </a:fontRef>
         </p:style>
       </p:cxnSp>
-      <p:sp>
-        <p:nvSpPr>
-          <p:cNvPr id="11" name="矩形 10">
-            <a:extLst>
-              <a:ext uri="{FF2B5EF4-FFF2-40B4-BE49-F238E27FC236}">
-                <a16:creationId xmlns:a16="http://schemas.microsoft.com/office/drawing/2014/main" id="{186E9147-03B1-42BB-881D-274D2B4F5C39}"/>
-              </a:ext>
-            </a:extLst>
-          </p:cNvPr>
-          <p:cNvSpPr/>
-          <p:nvPr/>
-        </p:nvSpPr>
-        <p:spPr>
-          <a:xfrm>
-            <a:off x="3268577" y="2133600"/>
-            <a:ext cx="665749" cy="352926"/>
-          </a:xfrm>
-          <a:prstGeom prst="rect">
-            <a:avLst/>
-          </a:prstGeom>
-        </p:spPr>
-        <p:style>
-          <a:lnRef idx="1">
-            <a:schemeClr val="accent6"/>
-          </a:lnRef>
-          <a:fillRef idx="2">
-            <a:schemeClr val="accent6"/>
-          </a:fillRef>
-          <a:effectRef idx="1">
-            <a:schemeClr val="accent6"/>
-          </a:effectRef>
-          <a:fontRef idx="minor">
-            <a:schemeClr val="dk1"/>
-          </a:fontRef>
-        </p:style>
-        <p:txBody>
-          <a:bodyPr rtlCol="0" anchor="ctr"/>
-          <a:lstStyle/>
-          <a:p>
-            <a:pPr algn="ctr"/>
-            <a:r>
-              <a:rPr lang="en-US" altLang="zh-CN" sz="1400" dirty="0"/>
-              <a:t>\\.</a:t>
-            </a:r>
-            <a:endParaRPr lang="zh-CN" altLang="en-US" sz="1400" dirty="0"/>
-          </a:p>
-        </p:txBody>
-      </p:sp>
       <p:cxnSp>
         <p:nvCxnSpPr>
-          <p:cNvPr id="12" name="连接符: 肘形 11">
-            <a:extLst>
-              <a:ext uri="{FF2B5EF4-FFF2-40B4-BE49-F238E27FC236}">
-                <a16:creationId xmlns:a16="http://schemas.microsoft.com/office/drawing/2014/main" id="{3443579C-F714-4D58-B735-699ED5200232}"/>
+          <p:cNvPr id="23" name="连接符: 肘形 22">
+            <a:extLst>
+              <a:ext uri="{FF2B5EF4-FFF2-40B4-BE49-F238E27FC236}">
+                <a16:creationId xmlns:a16="http://schemas.microsoft.com/office/drawing/2014/main" id="{ACDAC673-E2BF-424B-A7E1-B44835FA1D2F}"/>
               </a:ext>
             </a:extLst>
           </p:cNvPr>
           <p:cNvCxnSpPr>
             <a:cxnSpLocks/>
-            <a:stCxn id="11" idx="0"/>
-            <a:endCxn id="5" idx="2"/>
+            <a:stCxn id="8" idx="3"/>
+            <a:endCxn id="11" idx="0"/>
           </p:cNvCxnSpPr>
           <p:nvPr/>
         </p:nvCxnSpPr>
         <p:spPr>
-          <a:xfrm rot="5400000" flipH="1" flipV="1">
-            <a:off x="3715752" y="1393658"/>
-            <a:ext cx="625642" cy="854243"/>
+          <a:xfrm rot="16200000" flipH="1">
+            <a:off x="4620125" y="2741194"/>
+            <a:ext cx="1423737" cy="1612229"/>
           </a:xfrm>
           <a:prstGeom prst="bentConnector3">
-            <a:avLst/>
+            <a:avLst>
+              <a:gd name="adj1" fmla="val 50000"/>
+            </a:avLst>
           </a:prstGeom>
-          <a:ln w="19050">
+          <a:ln w="28575">
             <a:tailEnd type="triangle"/>
           </a:ln>
         </p:spPr>
@@ -3665,79 +3825,34 @@
           </a:fontRef>
         </p:style>
       </p:cxnSp>
-      <p:sp>
-        <p:nvSpPr>
-          <p:cNvPr id="14" name="矩形 13">
-            <a:extLst>
-              <a:ext uri="{FF2B5EF4-FFF2-40B4-BE49-F238E27FC236}">
-                <a16:creationId xmlns:a16="http://schemas.microsoft.com/office/drawing/2014/main" id="{E65F123C-23F7-4187-A26C-8101ACEC52C9}"/>
-              </a:ext>
-            </a:extLst>
-          </p:cNvPr>
-          <p:cNvSpPr/>
-          <p:nvPr/>
-        </p:nvSpPr>
-        <p:spPr>
-          <a:xfrm>
-            <a:off x="4507832" y="2133600"/>
-            <a:ext cx="665749" cy="352926"/>
-          </a:xfrm>
-          <a:prstGeom prst="rect">
-            <a:avLst/>
-          </a:prstGeom>
-        </p:spPr>
-        <p:style>
-          <a:lnRef idx="1">
-            <a:schemeClr val="accent6"/>
-          </a:lnRef>
-          <a:fillRef idx="2">
-            <a:schemeClr val="accent6"/>
-          </a:fillRef>
-          <a:effectRef idx="1">
-            <a:schemeClr val="accent6"/>
-          </a:effectRef>
-          <a:fontRef idx="minor">
-            <a:schemeClr val="dk1"/>
-          </a:fontRef>
-        </p:style>
-        <p:txBody>
-          <a:bodyPr rtlCol="0" anchor="ctr"/>
-          <a:lstStyle/>
-          <a:p>
-            <a:pPr algn="ctr"/>
-            <a:r>
-              <a:rPr lang="en-US" altLang="zh-CN" sz="1400" dirty="0"/>
-              <a:t>\\d*</a:t>
-            </a:r>
-            <a:endParaRPr lang="zh-CN" altLang="en-US" sz="1400" dirty="0"/>
-          </a:p>
-        </p:txBody>
-      </p:sp>
       <p:cxnSp>
         <p:nvCxnSpPr>
-          <p:cNvPr id="15" name="连接符: 肘形 14">
-            <a:extLst>
-              <a:ext uri="{FF2B5EF4-FFF2-40B4-BE49-F238E27FC236}">
-                <a16:creationId xmlns:a16="http://schemas.microsoft.com/office/drawing/2014/main" id="{36C6169B-BE0E-4762-B10C-353C08C8A4F2}"/>
+          <p:cNvPr id="27" name="连接符: 曲线 26">
+            <a:extLst>
+              <a:ext uri="{FF2B5EF4-FFF2-40B4-BE49-F238E27FC236}">
+                <a16:creationId xmlns:a16="http://schemas.microsoft.com/office/drawing/2014/main" id="{E99AE616-CD4A-4F08-B0A9-9C910B624270}"/>
               </a:ext>
             </a:extLst>
           </p:cNvPr>
           <p:cNvCxnSpPr>
             <a:cxnSpLocks/>
-            <a:stCxn id="14" idx="0"/>
-            <a:endCxn id="6" idx="2"/>
+            <a:stCxn id="10" idx="1"/>
+            <a:endCxn id="8" idx="0"/>
           </p:cNvCxnSpPr>
           <p:nvPr/>
         </p:nvCxnSpPr>
         <p:spPr>
-          <a:xfrm rot="5400000" flipH="1" flipV="1">
-            <a:off x="4888833" y="1459832"/>
-            <a:ext cx="625642" cy="721894"/>
+          <a:xfrm rot="10800000">
+            <a:off x="4706353" y="2113547"/>
+            <a:ext cx="3603458" cy="320843"/>
           </a:xfrm>
-          <a:prstGeom prst="bentConnector3">
-            <a:avLst/>
+          <a:prstGeom prst="curvedConnector4">
+            <a:avLst>
+              <a:gd name="adj1" fmla="val 37062"/>
+              <a:gd name="adj2" fmla="val 171250"/>
+            </a:avLst>
           </a:prstGeom>
-          <a:ln w="19050">
+          <a:ln>
             <a:tailEnd type="triangle"/>
           </a:ln>
         </p:spPr>
@@ -3756,2630 +3871,31 @@
           </a:fontRef>
         </p:style>
       </p:cxnSp>
-      <p:sp>
-        <p:nvSpPr>
-          <p:cNvPr id="17" name="矩形 16">
-            <a:extLst>
-              <a:ext uri="{FF2B5EF4-FFF2-40B4-BE49-F238E27FC236}">
-                <a16:creationId xmlns:a16="http://schemas.microsoft.com/office/drawing/2014/main" id="{388D6A06-76F0-4A79-ABAD-9740F0631743}"/>
-              </a:ext>
-            </a:extLst>
-          </p:cNvPr>
-          <p:cNvSpPr/>
-          <p:nvPr/>
-        </p:nvSpPr>
-        <p:spPr>
-          <a:xfrm>
-            <a:off x="3096125" y="3625516"/>
-            <a:ext cx="505327" cy="352926"/>
-          </a:xfrm>
-          <a:prstGeom prst="rect">
-            <a:avLst/>
-          </a:prstGeom>
-        </p:spPr>
-        <p:style>
-          <a:lnRef idx="1">
-            <a:schemeClr val="accent1"/>
-          </a:lnRef>
-          <a:fillRef idx="2">
-            <a:schemeClr val="accent1"/>
-          </a:fillRef>
-          <a:effectRef idx="1">
-            <a:schemeClr val="accent1"/>
-          </a:effectRef>
-          <a:fontRef idx="minor">
-            <a:schemeClr val="dk1"/>
-          </a:fontRef>
-        </p:style>
-        <p:txBody>
-          <a:bodyPr rtlCol="0" anchor="ctr"/>
-          <a:lstStyle/>
-          <a:p>
-            <a:pPr algn="ctr"/>
-            <a:r>
-              <a:rPr lang="en-US" altLang="zh-CN" sz="1400" dirty="0"/>
-              <a:t>15</a:t>
-            </a:r>
-            <a:endParaRPr lang="zh-CN" altLang="en-US" sz="1400" dirty="0"/>
-          </a:p>
-        </p:txBody>
-      </p:sp>
-      <p:sp>
-        <p:nvSpPr>
-          <p:cNvPr id="18" name="矩形 17">
-            <a:extLst>
-              <a:ext uri="{FF2B5EF4-FFF2-40B4-BE49-F238E27FC236}">
-                <a16:creationId xmlns:a16="http://schemas.microsoft.com/office/drawing/2014/main" id="{834C9B61-040E-4846-A3EB-DDFB794E3887}"/>
-              </a:ext>
-            </a:extLst>
-          </p:cNvPr>
-          <p:cNvSpPr/>
-          <p:nvPr/>
-        </p:nvSpPr>
-        <p:spPr>
-          <a:xfrm>
-            <a:off x="4203031" y="3625516"/>
-            <a:ext cx="505327" cy="352926"/>
-          </a:xfrm>
-          <a:prstGeom prst="rect">
-            <a:avLst/>
-          </a:prstGeom>
-        </p:spPr>
-        <p:style>
-          <a:lnRef idx="1">
-            <a:schemeClr val="accent1"/>
-          </a:lnRef>
-          <a:fillRef idx="2">
-            <a:schemeClr val="accent1"/>
-          </a:fillRef>
-          <a:effectRef idx="1">
-            <a:schemeClr val="accent1"/>
-          </a:effectRef>
-          <a:fontRef idx="minor">
-            <a:schemeClr val="dk1"/>
-          </a:fontRef>
-        </p:style>
-        <p:txBody>
-          <a:bodyPr rtlCol="0" anchor="ctr"/>
-          <a:lstStyle/>
-          <a:p>
-            <a:pPr algn="ctr"/>
-            <a:r>
-              <a:rPr lang="en-US" altLang="zh-CN" sz="1400" dirty="0"/>
-              <a:t>.3</a:t>
-            </a:r>
-          </a:p>
-        </p:txBody>
-      </p:sp>
-      <p:sp>
-        <p:nvSpPr>
-          <p:cNvPr id="20" name="矩形 19">
-            <a:extLst>
-              <a:ext uri="{FF2B5EF4-FFF2-40B4-BE49-F238E27FC236}">
-                <a16:creationId xmlns:a16="http://schemas.microsoft.com/office/drawing/2014/main" id="{42515120-0F6C-4959-9A84-B568FBCCEE33}"/>
-              </a:ext>
-            </a:extLst>
-          </p:cNvPr>
-          <p:cNvSpPr/>
-          <p:nvPr/>
-        </p:nvSpPr>
-        <p:spPr>
-          <a:xfrm>
-            <a:off x="2141619" y="4604084"/>
-            <a:ext cx="665749" cy="352926"/>
-          </a:xfrm>
-          <a:prstGeom prst="rect">
-            <a:avLst/>
-          </a:prstGeom>
-        </p:spPr>
-        <p:style>
-          <a:lnRef idx="1">
-            <a:schemeClr val="accent6"/>
-          </a:lnRef>
-          <a:fillRef idx="2">
-            <a:schemeClr val="accent6"/>
-          </a:fillRef>
-          <a:effectRef idx="1">
-            <a:schemeClr val="accent6"/>
-          </a:effectRef>
-          <a:fontRef idx="minor">
-            <a:schemeClr val="dk1"/>
-          </a:fontRef>
-        </p:style>
-        <p:txBody>
-          <a:bodyPr rtlCol="0" anchor="ctr"/>
-          <a:lstStyle/>
-          <a:p>
-            <a:pPr algn="ctr"/>
-            <a:r>
-              <a:rPr lang="en-US" altLang="zh-CN" sz="1400" dirty="0"/>
-              <a:t>\\d+</a:t>
-            </a:r>
-            <a:endParaRPr lang="zh-CN" altLang="en-US" sz="1400" dirty="0"/>
-          </a:p>
-        </p:txBody>
-      </p:sp>
       <p:cxnSp>
         <p:nvCxnSpPr>
-          <p:cNvPr id="21" name="连接符: 肘形 20">
-            <a:extLst>
-              <a:ext uri="{FF2B5EF4-FFF2-40B4-BE49-F238E27FC236}">
-                <a16:creationId xmlns:a16="http://schemas.microsoft.com/office/drawing/2014/main" id="{A8DB5C77-D094-4929-8CD5-6116B21BDF6F}"/>
+          <p:cNvPr id="29" name="连接符: 曲线 28">
+            <a:extLst>
+              <a:ext uri="{FF2B5EF4-FFF2-40B4-BE49-F238E27FC236}">
+                <a16:creationId xmlns:a16="http://schemas.microsoft.com/office/drawing/2014/main" id="{136C5098-33D4-4DCF-9677-810E2ECA2102}"/>
               </a:ext>
             </a:extLst>
           </p:cNvPr>
           <p:cNvCxnSpPr>
             <a:cxnSpLocks/>
-            <a:stCxn id="20" idx="0"/>
-            <a:endCxn id="17" idx="2"/>
+            <a:stCxn id="8" idx="5"/>
+            <a:endCxn id="16" idx="0"/>
           </p:cNvCxnSpPr>
           <p:nvPr/>
         </p:nvCxnSpPr>
         <p:spPr>
-          <a:xfrm rot="5400000" flipH="1" flipV="1">
-            <a:off x="2598820" y="3854116"/>
-            <a:ext cx="625642" cy="874295"/>
+          <a:xfrm>
+            <a:off x="5638800" y="2384257"/>
+            <a:ext cx="1958993" cy="2301951"/>
           </a:xfrm>
-          <a:prstGeom prst="bentConnector3">
+          <a:prstGeom prst="curvedConnector2">
             <a:avLst/>
           </a:prstGeom>
-          <a:ln w="19050">
-            <a:tailEnd type="triangle"/>
-          </a:ln>
-        </p:spPr>
-        <p:style>
-          <a:lnRef idx="1">
-            <a:schemeClr val="accent1"/>
-          </a:lnRef>
-          <a:fillRef idx="0">
-            <a:schemeClr val="accent1"/>
-          </a:fillRef>
-          <a:effectRef idx="0">
-            <a:schemeClr val="accent1"/>
-          </a:effectRef>
-          <a:fontRef idx="minor">
-            <a:schemeClr val="tx1"/>
-          </a:fontRef>
-        </p:style>
-      </p:cxnSp>
-      <p:sp>
-        <p:nvSpPr>
-          <p:cNvPr id="22" name="矩形 21">
-            <a:extLst>
-              <a:ext uri="{FF2B5EF4-FFF2-40B4-BE49-F238E27FC236}">
-                <a16:creationId xmlns:a16="http://schemas.microsoft.com/office/drawing/2014/main" id="{E3F9E010-F8F3-440D-8C17-5D6E3CBFB5AE}"/>
-              </a:ext>
-            </a:extLst>
-          </p:cNvPr>
-          <p:cNvSpPr/>
-          <p:nvPr/>
-        </p:nvSpPr>
-        <p:spPr>
-          <a:xfrm>
-            <a:off x="3268577" y="4604084"/>
-            <a:ext cx="1383634" cy="352926"/>
-          </a:xfrm>
-          <a:prstGeom prst="rect">
-            <a:avLst/>
-          </a:prstGeom>
-        </p:spPr>
-        <p:style>
-          <a:lnRef idx="1">
-            <a:schemeClr val="accent6"/>
-          </a:lnRef>
-          <a:fillRef idx="2">
-            <a:schemeClr val="accent6"/>
-          </a:fillRef>
-          <a:effectRef idx="1">
-            <a:schemeClr val="accent6"/>
-          </a:effectRef>
-          <a:fontRef idx="minor">
-            <a:schemeClr val="dk1"/>
-          </a:fontRef>
-        </p:style>
-        <p:txBody>
-          <a:bodyPr rtlCol="0" anchor="ctr"/>
-          <a:lstStyle/>
-          <a:p>
-            <a:pPr algn="ctr"/>
-            <a:r>
-              <a:rPr lang="en-US" altLang="zh-CN" sz="1400" dirty="0"/>
-              <a:t>(\\.\\d+)?</a:t>
-            </a:r>
-            <a:endParaRPr lang="zh-CN" altLang="en-US" sz="1400" dirty="0"/>
-          </a:p>
-        </p:txBody>
-      </p:sp>
-      <p:cxnSp>
-        <p:nvCxnSpPr>
-          <p:cNvPr id="23" name="连接符: 肘形 22">
-            <a:extLst>
-              <a:ext uri="{FF2B5EF4-FFF2-40B4-BE49-F238E27FC236}">
-                <a16:creationId xmlns:a16="http://schemas.microsoft.com/office/drawing/2014/main" id="{1D9166F3-DCEB-4875-9679-9E89D1CF66BF}"/>
-              </a:ext>
-            </a:extLst>
-          </p:cNvPr>
-          <p:cNvCxnSpPr>
-            <a:cxnSpLocks/>
-            <a:stCxn id="22" idx="0"/>
-            <a:endCxn id="18" idx="2"/>
-          </p:cNvCxnSpPr>
-          <p:nvPr/>
-        </p:nvCxnSpPr>
-        <p:spPr>
-          <a:xfrm rot="5400000" flipH="1" flipV="1">
-            <a:off x="3895223" y="4043613"/>
-            <a:ext cx="625642" cy="495301"/>
-          </a:xfrm>
-          <a:prstGeom prst="bentConnector3">
-            <a:avLst/>
-          </a:prstGeom>
-          <a:ln w="19050">
-            <a:tailEnd type="triangle"/>
-          </a:ln>
-        </p:spPr>
-        <p:style>
-          <a:lnRef idx="1">
-            <a:schemeClr val="accent1"/>
-          </a:lnRef>
-          <a:fillRef idx="0">
-            <a:schemeClr val="accent1"/>
-          </a:fillRef>
-          <a:effectRef idx="0">
-            <a:schemeClr val="accent1"/>
-          </a:effectRef>
-          <a:fontRef idx="minor">
-            <a:schemeClr val="tx1"/>
-          </a:fontRef>
-        </p:style>
-      </p:cxnSp>
-      <p:sp>
-        <p:nvSpPr>
-          <p:cNvPr id="28" name="文本框 27">
-            <a:extLst>
-              <a:ext uri="{FF2B5EF4-FFF2-40B4-BE49-F238E27FC236}">
-                <a16:creationId xmlns:a16="http://schemas.microsoft.com/office/drawing/2014/main" id="{CBF11094-93B7-4BC2-A719-BEE3CB4A0D84}"/>
-              </a:ext>
-            </a:extLst>
-          </p:cNvPr>
-          <p:cNvSpPr txBox="1"/>
-          <p:nvPr/>
-        </p:nvSpPr>
-        <p:spPr>
-          <a:xfrm>
-            <a:off x="537411" y="320842"/>
-            <a:ext cx="1800493" cy="369332"/>
-          </a:xfrm>
-          <a:prstGeom prst="rect">
-            <a:avLst/>
-          </a:prstGeom>
-          <a:noFill/>
-        </p:spPr>
-        <p:txBody>
-          <a:bodyPr wrap="none" rtlCol="0">
-            <a:spAutoFit/>
-          </a:bodyPr>
-          <a:lstStyle/>
-          <a:p>
-            <a:r>
-              <a:rPr lang="zh-CN" altLang="en-US" dirty="0"/>
-              <a:t>验证是否为小数</a:t>
-            </a:r>
-          </a:p>
-        </p:txBody>
-      </p:sp>
-    </p:spTree>
-    <p:extLst>
-      <p:ext uri="{BB962C8B-B14F-4D97-AF65-F5344CB8AC3E}">
-        <p14:creationId xmlns:p14="http://schemas.microsoft.com/office/powerpoint/2010/main" val="2635618776"/>
-      </p:ext>
-    </p:extLst>
-  </p:cSld>
-  <p:clrMapOvr>
-    <a:masterClrMapping/>
-  </p:clrMapOvr>
-</p:sld>
-</file>
-
-<file path=ppt/slides/slide2.xml><?xml version="1.0" encoding="utf-8"?>
-<p:sld xmlns:a="http://schemas.openxmlformats.org/drawingml/2006/main" xmlns:r="http://schemas.openxmlformats.org/officeDocument/2006/relationships" xmlns:p="http://schemas.openxmlformats.org/presentationml/2006/main">
-  <p:cSld>
-    <p:spTree>
-      <p:nvGrpSpPr>
-        <p:cNvPr id="1" name=""/>
-        <p:cNvGrpSpPr/>
-        <p:nvPr/>
-      </p:nvGrpSpPr>
-      <p:grpSpPr>
-        <a:xfrm>
-          <a:off x="0" y="0"/>
-          <a:ext cx="0" cy="0"/>
-          <a:chOff x="0" y="0"/>
-          <a:chExt cx="0" cy="0"/>
-        </a:xfrm>
-      </p:grpSpPr>
-      <p:sp>
-        <p:nvSpPr>
-          <p:cNvPr id="4" name="矩形 3">
-            <a:extLst>
-              <a:ext uri="{FF2B5EF4-FFF2-40B4-BE49-F238E27FC236}">
-                <a16:creationId xmlns:a16="http://schemas.microsoft.com/office/drawing/2014/main" id="{7246AA2C-49C6-4FA2-B633-3008FFFA71DA}"/>
-              </a:ext>
-            </a:extLst>
-          </p:cNvPr>
-          <p:cNvSpPr/>
-          <p:nvPr/>
-        </p:nvSpPr>
-        <p:spPr>
-          <a:xfrm>
-            <a:off x="3096125" y="1155032"/>
-            <a:ext cx="609601" cy="352926"/>
-          </a:xfrm>
-          <a:prstGeom prst="rect">
-            <a:avLst/>
-          </a:prstGeom>
-        </p:spPr>
-        <p:style>
-          <a:lnRef idx="1">
-            <a:schemeClr val="accent1"/>
-          </a:lnRef>
-          <a:fillRef idx="2">
-            <a:schemeClr val="accent1"/>
-          </a:fillRef>
-          <a:effectRef idx="1">
-            <a:schemeClr val="accent1"/>
-          </a:effectRef>
-          <a:fontRef idx="minor">
-            <a:schemeClr val="dk1"/>
-          </a:fontRef>
-        </p:style>
-        <p:txBody>
-          <a:bodyPr rtlCol="0" anchor="ctr"/>
-          <a:lstStyle/>
-          <a:p>
-            <a:pPr algn="ctr"/>
-            <a:r>
-              <a:rPr lang="en-US" altLang="zh-CN" sz="1400" dirty="0"/>
-              <a:t>010-</a:t>
-            </a:r>
-            <a:endParaRPr lang="zh-CN" altLang="en-US" sz="1400" dirty="0"/>
-          </a:p>
-        </p:txBody>
-      </p:sp>
-      <p:sp>
-        <p:nvSpPr>
-          <p:cNvPr id="5" name="矩形 4">
-            <a:extLst>
-              <a:ext uri="{FF2B5EF4-FFF2-40B4-BE49-F238E27FC236}">
-                <a16:creationId xmlns:a16="http://schemas.microsoft.com/office/drawing/2014/main" id="{DE8B1631-979E-4296-BE1E-09AA657FDCB9}"/>
-              </a:ext>
-            </a:extLst>
-          </p:cNvPr>
-          <p:cNvSpPr/>
-          <p:nvPr/>
-        </p:nvSpPr>
-        <p:spPr>
-          <a:xfrm>
-            <a:off x="4203031" y="1155032"/>
-            <a:ext cx="1435769" cy="352926"/>
-          </a:xfrm>
-          <a:prstGeom prst="rect">
-            <a:avLst/>
-          </a:prstGeom>
-        </p:spPr>
-        <p:style>
-          <a:lnRef idx="1">
-            <a:schemeClr val="accent1"/>
-          </a:lnRef>
-          <a:fillRef idx="2">
-            <a:schemeClr val="accent1"/>
-          </a:fillRef>
-          <a:effectRef idx="1">
-            <a:schemeClr val="accent1"/>
-          </a:effectRef>
-          <a:fontRef idx="minor">
-            <a:schemeClr val="dk1"/>
-          </a:fontRef>
-        </p:style>
-        <p:txBody>
-          <a:bodyPr rtlCol="0" anchor="ctr"/>
-          <a:lstStyle/>
-          <a:p>
-            <a:pPr algn="ctr"/>
-            <a:r>
-              <a:rPr lang="en-US" altLang="zh-CN" sz="1400" dirty="0"/>
-              <a:t>62350411</a:t>
-            </a:r>
-          </a:p>
-        </p:txBody>
-      </p:sp>
-      <p:sp>
-        <p:nvSpPr>
-          <p:cNvPr id="7" name="矩形 6">
-            <a:extLst>
-              <a:ext uri="{FF2B5EF4-FFF2-40B4-BE49-F238E27FC236}">
-                <a16:creationId xmlns:a16="http://schemas.microsoft.com/office/drawing/2014/main" id="{1D58AA99-7AEF-4CD7-A4AF-9324AAD0C5C2}"/>
-              </a:ext>
-            </a:extLst>
-          </p:cNvPr>
-          <p:cNvSpPr/>
-          <p:nvPr/>
-        </p:nvSpPr>
-        <p:spPr>
-          <a:xfrm>
-            <a:off x="1363579" y="2133600"/>
-            <a:ext cx="1443789" cy="352926"/>
-          </a:xfrm>
-          <a:prstGeom prst="rect">
-            <a:avLst/>
-          </a:prstGeom>
-        </p:spPr>
-        <p:style>
-          <a:lnRef idx="1">
-            <a:schemeClr val="accent6"/>
-          </a:lnRef>
-          <a:fillRef idx="2">
-            <a:schemeClr val="accent6"/>
-          </a:fillRef>
-          <a:effectRef idx="1">
-            <a:schemeClr val="accent6"/>
-          </a:effectRef>
-          <a:fontRef idx="minor">
-            <a:schemeClr val="dk1"/>
-          </a:fontRef>
-        </p:style>
-        <p:txBody>
-          <a:bodyPr rtlCol="0" anchor="ctr"/>
-          <a:lstStyle/>
-          <a:p>
-            <a:pPr algn="ctr"/>
-            <a:r>
-              <a:rPr lang="en-US" altLang="zh-CN" sz="1400" dirty="0"/>
-              <a:t>(\\d{3,4}-?)</a:t>
-            </a:r>
-            <a:endParaRPr lang="zh-CN" altLang="en-US" sz="1400" dirty="0"/>
-          </a:p>
-        </p:txBody>
-      </p:sp>
-      <p:cxnSp>
-        <p:nvCxnSpPr>
-          <p:cNvPr id="9" name="连接符: 肘形 8">
-            <a:extLst>
-              <a:ext uri="{FF2B5EF4-FFF2-40B4-BE49-F238E27FC236}">
-                <a16:creationId xmlns:a16="http://schemas.microsoft.com/office/drawing/2014/main" id="{37D287AD-FC33-4AFB-B9F6-120ACF3BADB9}"/>
-              </a:ext>
-            </a:extLst>
-          </p:cNvPr>
-          <p:cNvCxnSpPr>
-            <a:cxnSpLocks/>
-            <a:stCxn id="7" idx="0"/>
-            <a:endCxn id="4" idx="2"/>
-          </p:cNvCxnSpPr>
-          <p:nvPr/>
-        </p:nvCxnSpPr>
-        <p:spPr>
-          <a:xfrm rot="5400000" flipH="1" flipV="1">
-            <a:off x="2430379" y="1163053"/>
-            <a:ext cx="625642" cy="1315452"/>
-          </a:xfrm>
-          <a:prstGeom prst="bentConnector3">
-            <a:avLst/>
-          </a:prstGeom>
-          <a:ln w="19050">
-            <a:tailEnd type="triangle"/>
-          </a:ln>
-        </p:spPr>
-        <p:style>
-          <a:lnRef idx="1">
-            <a:schemeClr val="accent1"/>
-          </a:lnRef>
-          <a:fillRef idx="0">
-            <a:schemeClr val="accent1"/>
-          </a:fillRef>
-          <a:effectRef idx="0">
-            <a:schemeClr val="accent1"/>
-          </a:effectRef>
-          <a:fontRef idx="minor">
-            <a:schemeClr val="tx1"/>
-          </a:fontRef>
-        </p:style>
-      </p:cxnSp>
-      <p:sp>
-        <p:nvSpPr>
-          <p:cNvPr id="11" name="矩形 10">
-            <a:extLst>
-              <a:ext uri="{FF2B5EF4-FFF2-40B4-BE49-F238E27FC236}">
-                <a16:creationId xmlns:a16="http://schemas.microsoft.com/office/drawing/2014/main" id="{186E9147-03B1-42BB-881D-274D2B4F5C39}"/>
-              </a:ext>
-            </a:extLst>
-          </p:cNvPr>
-          <p:cNvSpPr/>
-          <p:nvPr/>
-        </p:nvSpPr>
-        <p:spPr>
-          <a:xfrm>
-            <a:off x="3268577" y="2133600"/>
-            <a:ext cx="1126960" cy="352926"/>
-          </a:xfrm>
-          <a:prstGeom prst="rect">
-            <a:avLst/>
-          </a:prstGeom>
-        </p:spPr>
-        <p:style>
-          <a:lnRef idx="1">
-            <a:schemeClr val="accent6"/>
-          </a:lnRef>
-          <a:fillRef idx="2">
-            <a:schemeClr val="accent6"/>
-          </a:fillRef>
-          <a:effectRef idx="1">
-            <a:schemeClr val="accent6"/>
-          </a:effectRef>
-          <a:fontRef idx="minor">
-            <a:schemeClr val="dk1"/>
-          </a:fontRef>
-        </p:style>
-        <p:txBody>
-          <a:bodyPr rtlCol="0" anchor="ctr"/>
-          <a:lstStyle/>
-          <a:p>
-            <a:pPr algn="ctr"/>
-            <a:r>
-              <a:rPr lang="en-US" altLang="zh-CN" sz="1400" dirty="0"/>
-              <a:t>\\d{7,8}</a:t>
-            </a:r>
-            <a:endParaRPr lang="zh-CN" altLang="en-US" sz="1400" dirty="0"/>
-          </a:p>
-        </p:txBody>
-      </p:sp>
-      <p:cxnSp>
-        <p:nvCxnSpPr>
-          <p:cNvPr id="12" name="连接符: 肘形 11">
-            <a:extLst>
-              <a:ext uri="{FF2B5EF4-FFF2-40B4-BE49-F238E27FC236}">
-                <a16:creationId xmlns:a16="http://schemas.microsoft.com/office/drawing/2014/main" id="{3443579C-F714-4D58-B735-699ED5200232}"/>
-              </a:ext>
-            </a:extLst>
-          </p:cNvPr>
-          <p:cNvCxnSpPr>
-            <a:cxnSpLocks/>
-            <a:stCxn id="11" idx="0"/>
-            <a:endCxn id="5" idx="2"/>
-          </p:cNvCxnSpPr>
-          <p:nvPr/>
-        </p:nvCxnSpPr>
-        <p:spPr>
-          <a:xfrm rot="5400000" flipH="1" flipV="1">
-            <a:off x="4063665" y="1276350"/>
-            <a:ext cx="625642" cy="1088859"/>
-          </a:xfrm>
-          <a:prstGeom prst="bentConnector3">
-            <a:avLst/>
-          </a:prstGeom>
-          <a:ln w="19050">
-            <a:tailEnd type="triangle"/>
-          </a:ln>
-        </p:spPr>
-        <p:style>
-          <a:lnRef idx="1">
-            <a:schemeClr val="accent1"/>
-          </a:lnRef>
-          <a:fillRef idx="0">
-            <a:schemeClr val="accent1"/>
-          </a:fillRef>
-          <a:effectRef idx="0">
-            <a:schemeClr val="accent1"/>
-          </a:effectRef>
-          <a:fontRef idx="minor">
-            <a:schemeClr val="tx1"/>
-          </a:fontRef>
-        </p:style>
-      </p:cxnSp>
-      <p:sp>
-        <p:nvSpPr>
-          <p:cNvPr id="24" name="矩形 23">
-            <a:extLst>
-              <a:ext uri="{FF2B5EF4-FFF2-40B4-BE49-F238E27FC236}">
-                <a16:creationId xmlns:a16="http://schemas.microsoft.com/office/drawing/2014/main" id="{9BA6B58F-A475-4A6B-95E9-42BB96290C08}"/>
-              </a:ext>
-            </a:extLst>
-          </p:cNvPr>
-          <p:cNvSpPr/>
-          <p:nvPr/>
-        </p:nvSpPr>
-        <p:spPr>
-          <a:xfrm>
-            <a:off x="3986464" y="4018548"/>
-            <a:ext cx="810126" cy="352926"/>
-          </a:xfrm>
-          <a:prstGeom prst="rect">
-            <a:avLst/>
-          </a:prstGeom>
-        </p:spPr>
-        <p:style>
-          <a:lnRef idx="1">
-            <a:schemeClr val="accent1"/>
-          </a:lnRef>
-          <a:fillRef idx="2">
-            <a:schemeClr val="accent1"/>
-          </a:fillRef>
-          <a:effectRef idx="1">
-            <a:schemeClr val="accent1"/>
-          </a:effectRef>
-          <a:fontRef idx="minor">
-            <a:schemeClr val="dk1"/>
-          </a:fontRef>
-        </p:style>
-        <p:txBody>
-          <a:bodyPr rtlCol="0" anchor="ctr"/>
-          <a:lstStyle/>
-          <a:p>
-            <a:pPr algn="ctr"/>
-            <a:r>
-              <a:rPr lang="en-US" altLang="zh-CN" sz="1400" dirty="0"/>
-              <a:t>(010)-</a:t>
-            </a:r>
-            <a:endParaRPr lang="zh-CN" altLang="en-US" sz="1400" dirty="0"/>
-          </a:p>
-        </p:txBody>
-      </p:sp>
-      <p:sp>
-        <p:nvSpPr>
-          <p:cNvPr id="25" name="矩形 24">
-            <a:extLst>
-              <a:ext uri="{FF2B5EF4-FFF2-40B4-BE49-F238E27FC236}">
-                <a16:creationId xmlns:a16="http://schemas.microsoft.com/office/drawing/2014/main" id="{D86F2EC9-1115-48A4-8E52-C1CB32C854D2}"/>
-              </a:ext>
-            </a:extLst>
-          </p:cNvPr>
-          <p:cNvSpPr/>
-          <p:nvPr/>
-        </p:nvSpPr>
-        <p:spPr>
-          <a:xfrm>
-            <a:off x="5293894" y="4018548"/>
-            <a:ext cx="1435769" cy="352926"/>
-          </a:xfrm>
-          <a:prstGeom prst="rect">
-            <a:avLst/>
-          </a:prstGeom>
-        </p:spPr>
-        <p:style>
-          <a:lnRef idx="1">
-            <a:schemeClr val="accent1"/>
-          </a:lnRef>
-          <a:fillRef idx="2">
-            <a:schemeClr val="accent1"/>
-          </a:fillRef>
-          <a:effectRef idx="1">
-            <a:schemeClr val="accent1"/>
-          </a:effectRef>
-          <a:fontRef idx="minor">
-            <a:schemeClr val="dk1"/>
-          </a:fontRef>
-        </p:style>
-        <p:txBody>
-          <a:bodyPr rtlCol="0" anchor="ctr"/>
-          <a:lstStyle/>
-          <a:p>
-            <a:pPr algn="ctr"/>
-            <a:r>
-              <a:rPr lang="en-US" altLang="zh-CN" sz="1400" dirty="0"/>
-              <a:t>62350411</a:t>
-            </a:r>
-          </a:p>
-        </p:txBody>
-      </p:sp>
-      <p:sp>
-        <p:nvSpPr>
-          <p:cNvPr id="26" name="矩形 25">
-            <a:extLst>
-              <a:ext uri="{FF2B5EF4-FFF2-40B4-BE49-F238E27FC236}">
-                <a16:creationId xmlns:a16="http://schemas.microsoft.com/office/drawing/2014/main" id="{FC4E4FDC-A484-4B19-867F-D74B6C356DCD}"/>
-              </a:ext>
-            </a:extLst>
-          </p:cNvPr>
-          <p:cNvSpPr/>
-          <p:nvPr/>
-        </p:nvSpPr>
-        <p:spPr>
-          <a:xfrm>
-            <a:off x="1596190" y="4997116"/>
-            <a:ext cx="2302042" cy="352926"/>
-          </a:xfrm>
-          <a:prstGeom prst="rect">
-            <a:avLst/>
-          </a:prstGeom>
-        </p:spPr>
-        <p:style>
-          <a:lnRef idx="1">
-            <a:schemeClr val="accent6"/>
-          </a:lnRef>
-          <a:fillRef idx="2">
-            <a:schemeClr val="accent6"/>
-          </a:fillRef>
-          <a:effectRef idx="1">
-            <a:schemeClr val="accent6"/>
-          </a:effectRef>
-          <a:fontRef idx="minor">
-            <a:schemeClr val="dk1"/>
-          </a:fontRef>
-        </p:style>
-        <p:txBody>
-          <a:bodyPr rtlCol="0" anchor="ctr"/>
-          <a:lstStyle/>
-          <a:p>
-            <a:pPr algn="ctr"/>
-            <a:r>
-              <a:rPr lang="en-US" altLang="zh-CN" sz="1400" dirty="0"/>
-              <a:t>(\\d{3,4}-?)|(\\(\\d{3,4}\\)-)</a:t>
-            </a:r>
-            <a:endParaRPr lang="zh-CN" altLang="en-US" sz="1400" dirty="0"/>
-          </a:p>
-        </p:txBody>
-      </p:sp>
-      <p:cxnSp>
-        <p:nvCxnSpPr>
-          <p:cNvPr id="27" name="连接符: 肘形 26">
-            <a:extLst>
-              <a:ext uri="{FF2B5EF4-FFF2-40B4-BE49-F238E27FC236}">
-                <a16:creationId xmlns:a16="http://schemas.microsoft.com/office/drawing/2014/main" id="{378CE94C-FBD8-498B-8034-7316B0EB4315}"/>
-              </a:ext>
-            </a:extLst>
-          </p:cNvPr>
-          <p:cNvCxnSpPr>
-            <a:cxnSpLocks/>
-            <a:stCxn id="26" idx="0"/>
-            <a:endCxn id="24" idx="2"/>
-          </p:cNvCxnSpPr>
-          <p:nvPr/>
-        </p:nvCxnSpPr>
-        <p:spPr>
-          <a:xfrm rot="5400000" flipH="1" flipV="1">
-            <a:off x="3256548" y="3862137"/>
-            <a:ext cx="625642" cy="1644316"/>
-          </a:xfrm>
-          <a:prstGeom prst="bentConnector3">
-            <a:avLst/>
-          </a:prstGeom>
-          <a:ln w="19050">
-            <a:tailEnd type="triangle"/>
-          </a:ln>
-        </p:spPr>
-        <p:style>
-          <a:lnRef idx="1">
-            <a:schemeClr val="accent1"/>
-          </a:lnRef>
-          <a:fillRef idx="0">
-            <a:schemeClr val="accent1"/>
-          </a:fillRef>
-          <a:effectRef idx="0">
-            <a:schemeClr val="accent1"/>
-          </a:effectRef>
-          <a:fontRef idx="minor">
-            <a:schemeClr val="tx1"/>
-          </a:fontRef>
-        </p:style>
-      </p:cxnSp>
-      <p:sp>
-        <p:nvSpPr>
-          <p:cNvPr id="28" name="矩形 27">
-            <a:extLst>
-              <a:ext uri="{FF2B5EF4-FFF2-40B4-BE49-F238E27FC236}">
-                <a16:creationId xmlns:a16="http://schemas.microsoft.com/office/drawing/2014/main" id="{83561C0F-0473-4DBF-90DB-1BA80A69448D}"/>
-              </a:ext>
-            </a:extLst>
-          </p:cNvPr>
-          <p:cNvSpPr/>
-          <p:nvPr/>
-        </p:nvSpPr>
-        <p:spPr>
-          <a:xfrm>
-            <a:off x="4359440" y="4997116"/>
-            <a:ext cx="1126960" cy="352926"/>
-          </a:xfrm>
-          <a:prstGeom prst="rect">
-            <a:avLst/>
-          </a:prstGeom>
-        </p:spPr>
-        <p:style>
-          <a:lnRef idx="1">
-            <a:schemeClr val="accent6"/>
-          </a:lnRef>
-          <a:fillRef idx="2">
-            <a:schemeClr val="accent6"/>
-          </a:fillRef>
-          <a:effectRef idx="1">
-            <a:schemeClr val="accent6"/>
-          </a:effectRef>
-          <a:fontRef idx="minor">
-            <a:schemeClr val="dk1"/>
-          </a:fontRef>
-        </p:style>
-        <p:txBody>
-          <a:bodyPr rtlCol="0" anchor="ctr"/>
-          <a:lstStyle/>
-          <a:p>
-            <a:pPr algn="ctr"/>
-            <a:r>
-              <a:rPr lang="en-US" altLang="zh-CN" sz="1400" dirty="0"/>
-              <a:t>\\d{7,8}</a:t>
-            </a:r>
-            <a:endParaRPr lang="zh-CN" altLang="en-US" sz="1400" dirty="0"/>
-          </a:p>
-        </p:txBody>
-      </p:sp>
-      <p:cxnSp>
-        <p:nvCxnSpPr>
-          <p:cNvPr id="29" name="连接符: 肘形 28">
-            <a:extLst>
-              <a:ext uri="{FF2B5EF4-FFF2-40B4-BE49-F238E27FC236}">
-                <a16:creationId xmlns:a16="http://schemas.microsoft.com/office/drawing/2014/main" id="{3CD15DB2-BF79-428C-8B56-CE9B1AE098DF}"/>
-              </a:ext>
-            </a:extLst>
-          </p:cNvPr>
-          <p:cNvCxnSpPr>
-            <a:cxnSpLocks/>
-            <a:stCxn id="28" idx="0"/>
-            <a:endCxn id="25" idx="2"/>
-          </p:cNvCxnSpPr>
-          <p:nvPr/>
-        </p:nvCxnSpPr>
-        <p:spPr>
-          <a:xfrm rot="5400000" flipH="1" flipV="1">
-            <a:off x="5154528" y="4139866"/>
-            <a:ext cx="625642" cy="1088859"/>
-          </a:xfrm>
-          <a:prstGeom prst="bentConnector3">
-            <a:avLst/>
-          </a:prstGeom>
-          <a:ln w="19050">
-            <a:tailEnd type="triangle"/>
-          </a:ln>
-        </p:spPr>
-        <p:style>
-          <a:lnRef idx="1">
-            <a:schemeClr val="accent1"/>
-          </a:lnRef>
-          <a:fillRef idx="0">
-            <a:schemeClr val="accent1"/>
-          </a:fillRef>
-          <a:effectRef idx="0">
-            <a:schemeClr val="accent1"/>
-          </a:effectRef>
-          <a:fontRef idx="minor">
-            <a:schemeClr val="tx1"/>
-          </a:fontRef>
-        </p:style>
-      </p:cxnSp>
-      <p:sp>
-        <p:nvSpPr>
-          <p:cNvPr id="19" name="文本框 18">
-            <a:extLst>
-              <a:ext uri="{FF2B5EF4-FFF2-40B4-BE49-F238E27FC236}">
-                <a16:creationId xmlns:a16="http://schemas.microsoft.com/office/drawing/2014/main" id="{DA6F214E-9996-433E-B966-C97C4F560A39}"/>
-              </a:ext>
-            </a:extLst>
-          </p:cNvPr>
-          <p:cNvSpPr txBox="1"/>
-          <p:nvPr/>
-        </p:nvSpPr>
-        <p:spPr>
-          <a:xfrm>
-            <a:off x="537411" y="320842"/>
-            <a:ext cx="2031325" cy="369332"/>
-          </a:xfrm>
-          <a:prstGeom prst="rect">
-            <a:avLst/>
-          </a:prstGeom>
-          <a:noFill/>
-        </p:spPr>
-        <p:txBody>
-          <a:bodyPr wrap="none" rtlCol="0">
-            <a:spAutoFit/>
-          </a:bodyPr>
-          <a:lstStyle/>
-          <a:p>
-            <a:r>
-              <a:rPr lang="zh-CN" altLang="en-US" dirty="0"/>
-              <a:t>验证电话号码分析</a:t>
-            </a:r>
-          </a:p>
-        </p:txBody>
-      </p:sp>
-    </p:spTree>
-    <p:extLst>
-      <p:ext uri="{BB962C8B-B14F-4D97-AF65-F5344CB8AC3E}">
-        <p14:creationId xmlns:p14="http://schemas.microsoft.com/office/powerpoint/2010/main" val="1135998741"/>
-      </p:ext>
-    </p:extLst>
-  </p:cSld>
-  <p:clrMapOvr>
-    <a:masterClrMapping/>
-  </p:clrMapOvr>
-</p:sld>
-</file>
-
-<file path=ppt/slides/slide3.xml><?xml version="1.0" encoding="utf-8"?>
-<p:sld xmlns:a="http://schemas.openxmlformats.org/drawingml/2006/main" xmlns:r="http://schemas.openxmlformats.org/officeDocument/2006/relationships" xmlns:p="http://schemas.openxmlformats.org/presentationml/2006/main">
-  <p:cSld>
-    <p:spTree>
-      <p:nvGrpSpPr>
-        <p:cNvPr id="1" name=""/>
-        <p:cNvGrpSpPr/>
-        <p:nvPr/>
-      </p:nvGrpSpPr>
-      <p:grpSpPr>
-        <a:xfrm>
-          <a:off x="0" y="0"/>
-          <a:ext cx="0" cy="0"/>
-          <a:chOff x="0" y="0"/>
-          <a:chExt cx="0" cy="0"/>
-        </a:xfrm>
-      </p:grpSpPr>
-      <p:sp>
-        <p:nvSpPr>
-          <p:cNvPr id="24" name="矩形 23">
-            <a:extLst>
-              <a:ext uri="{FF2B5EF4-FFF2-40B4-BE49-F238E27FC236}">
-                <a16:creationId xmlns:a16="http://schemas.microsoft.com/office/drawing/2014/main" id="{9BA6B58F-A475-4A6B-95E9-42BB96290C08}"/>
-              </a:ext>
-            </a:extLst>
-          </p:cNvPr>
-          <p:cNvSpPr/>
-          <p:nvPr/>
-        </p:nvSpPr>
-        <p:spPr>
-          <a:xfrm>
-            <a:off x="4456698" y="906380"/>
-            <a:ext cx="465220" cy="352926"/>
-          </a:xfrm>
-          <a:prstGeom prst="rect">
-            <a:avLst/>
-          </a:prstGeom>
-        </p:spPr>
-        <p:style>
-          <a:lnRef idx="1">
-            <a:schemeClr val="accent1"/>
-          </a:lnRef>
-          <a:fillRef idx="2">
-            <a:schemeClr val="accent1"/>
-          </a:fillRef>
-          <a:effectRef idx="1">
-            <a:schemeClr val="accent1"/>
-          </a:effectRef>
-          <a:fontRef idx="minor">
-            <a:schemeClr val="dk1"/>
-          </a:fontRef>
-        </p:style>
-        <p:txBody>
-          <a:bodyPr rtlCol="0" anchor="ctr"/>
-          <a:lstStyle/>
-          <a:p>
-            <a:pPr algn="ctr"/>
-            <a:r>
-              <a:rPr lang="en-US" altLang="zh-CN" sz="1400" dirty="0"/>
-              <a:t>a</a:t>
-            </a:r>
-            <a:endParaRPr lang="zh-CN" altLang="en-US" sz="1400" dirty="0"/>
-          </a:p>
-        </p:txBody>
-      </p:sp>
-      <p:sp>
-        <p:nvSpPr>
-          <p:cNvPr id="25" name="矩形 24">
-            <a:extLst>
-              <a:ext uri="{FF2B5EF4-FFF2-40B4-BE49-F238E27FC236}">
-                <a16:creationId xmlns:a16="http://schemas.microsoft.com/office/drawing/2014/main" id="{D86F2EC9-1115-48A4-8E52-C1CB32C854D2}"/>
-              </a:ext>
-            </a:extLst>
-          </p:cNvPr>
-          <p:cNvSpPr/>
-          <p:nvPr/>
-        </p:nvSpPr>
-        <p:spPr>
-          <a:xfrm>
-            <a:off x="9045247" y="906380"/>
-            <a:ext cx="352925" cy="352926"/>
-          </a:xfrm>
-          <a:prstGeom prst="rect">
-            <a:avLst/>
-          </a:prstGeom>
-        </p:spPr>
-        <p:style>
-          <a:lnRef idx="1">
-            <a:schemeClr val="accent1"/>
-          </a:lnRef>
-          <a:fillRef idx="2">
-            <a:schemeClr val="accent1"/>
-          </a:fillRef>
-          <a:effectRef idx="1">
-            <a:schemeClr val="accent1"/>
-          </a:effectRef>
-          <a:fontRef idx="minor">
-            <a:schemeClr val="dk1"/>
-          </a:fontRef>
-        </p:style>
-        <p:txBody>
-          <a:bodyPr rtlCol="0" anchor="ctr"/>
-          <a:lstStyle/>
-          <a:p>
-            <a:pPr algn="ctr"/>
-            <a:r>
-              <a:rPr lang="en-US" altLang="zh-CN" sz="1400" dirty="0"/>
-              <a:t>c</a:t>
-            </a:r>
-          </a:p>
-        </p:txBody>
-      </p:sp>
-      <p:sp>
-        <p:nvSpPr>
-          <p:cNvPr id="26" name="矩形 25">
-            <a:extLst>
-              <a:ext uri="{FF2B5EF4-FFF2-40B4-BE49-F238E27FC236}">
-                <a16:creationId xmlns:a16="http://schemas.microsoft.com/office/drawing/2014/main" id="{FC4E4FDC-A484-4B19-867F-D74B6C356DCD}"/>
-              </a:ext>
-            </a:extLst>
-          </p:cNvPr>
-          <p:cNvSpPr/>
-          <p:nvPr/>
-        </p:nvSpPr>
-        <p:spPr>
-          <a:xfrm>
-            <a:off x="3715752" y="1884948"/>
-            <a:ext cx="652714" cy="352926"/>
-          </a:xfrm>
-          <a:prstGeom prst="rect">
-            <a:avLst/>
-          </a:prstGeom>
-        </p:spPr>
-        <p:style>
-          <a:lnRef idx="1">
-            <a:schemeClr val="accent6"/>
-          </a:lnRef>
-          <a:fillRef idx="2">
-            <a:schemeClr val="accent6"/>
-          </a:fillRef>
-          <a:effectRef idx="1">
-            <a:schemeClr val="accent6"/>
-          </a:effectRef>
-          <a:fontRef idx="minor">
-            <a:schemeClr val="dk1"/>
-          </a:fontRef>
-        </p:style>
-        <p:txBody>
-          <a:bodyPr rtlCol="0" anchor="ctr"/>
-          <a:lstStyle/>
-          <a:p>
-            <a:pPr algn="ctr"/>
-            <a:r>
-              <a:rPr lang="en-US" altLang="zh-CN" sz="1400" dirty="0"/>
-              <a:t>\\w+</a:t>
-            </a:r>
-            <a:endParaRPr lang="zh-CN" altLang="en-US" sz="1400" dirty="0"/>
-          </a:p>
-        </p:txBody>
-      </p:sp>
-      <p:cxnSp>
-        <p:nvCxnSpPr>
-          <p:cNvPr id="27" name="连接符: 肘形 26">
-            <a:extLst>
-              <a:ext uri="{FF2B5EF4-FFF2-40B4-BE49-F238E27FC236}">
-                <a16:creationId xmlns:a16="http://schemas.microsoft.com/office/drawing/2014/main" id="{378CE94C-FBD8-498B-8034-7316B0EB4315}"/>
-              </a:ext>
-            </a:extLst>
-          </p:cNvPr>
-          <p:cNvCxnSpPr>
-            <a:cxnSpLocks/>
-            <a:stCxn id="26" idx="0"/>
-            <a:endCxn id="24" idx="2"/>
-          </p:cNvCxnSpPr>
-          <p:nvPr/>
-        </p:nvCxnSpPr>
-        <p:spPr>
-          <a:xfrm rot="5400000" flipH="1" flipV="1">
-            <a:off x="4052887" y="1248528"/>
-            <a:ext cx="625642" cy="647199"/>
-          </a:xfrm>
-          <a:prstGeom prst="bentConnector3">
-            <a:avLst/>
-          </a:prstGeom>
-          <a:ln w="19050">
-            <a:tailEnd type="triangle"/>
-          </a:ln>
-        </p:spPr>
-        <p:style>
-          <a:lnRef idx="1">
-            <a:schemeClr val="accent1"/>
-          </a:lnRef>
-          <a:fillRef idx="0">
-            <a:schemeClr val="accent1"/>
-          </a:fillRef>
-          <a:effectRef idx="0">
-            <a:schemeClr val="accent1"/>
-          </a:effectRef>
-          <a:fontRef idx="minor">
-            <a:schemeClr val="tx1"/>
-          </a:fontRef>
-        </p:style>
-      </p:cxnSp>
-      <p:sp>
-        <p:nvSpPr>
-          <p:cNvPr id="28" name="矩形 27">
-            <a:extLst>
-              <a:ext uri="{FF2B5EF4-FFF2-40B4-BE49-F238E27FC236}">
-                <a16:creationId xmlns:a16="http://schemas.microsoft.com/office/drawing/2014/main" id="{83561C0F-0473-4DBF-90DB-1BA80A69448D}"/>
-              </a:ext>
-            </a:extLst>
-          </p:cNvPr>
-          <p:cNvSpPr/>
-          <p:nvPr/>
-        </p:nvSpPr>
-        <p:spPr>
-          <a:xfrm>
-            <a:off x="8110793" y="1884948"/>
-            <a:ext cx="1126960" cy="352926"/>
-          </a:xfrm>
-          <a:prstGeom prst="rect">
-            <a:avLst/>
-          </a:prstGeom>
-        </p:spPr>
-        <p:style>
-          <a:lnRef idx="1">
-            <a:schemeClr val="accent6"/>
-          </a:lnRef>
-          <a:fillRef idx="2">
-            <a:schemeClr val="accent6"/>
-          </a:fillRef>
-          <a:effectRef idx="1">
-            <a:schemeClr val="accent6"/>
-          </a:effectRef>
-          <a:fontRef idx="minor">
-            <a:schemeClr val="dk1"/>
-          </a:fontRef>
-        </p:style>
-        <p:txBody>
-          <a:bodyPr rtlCol="0" anchor="ctr"/>
-          <a:lstStyle/>
-          <a:p>
-            <a:pPr algn="ctr"/>
-            <a:r>
-              <a:rPr lang="en-US" altLang="zh-CN" sz="1400" dirty="0"/>
-              <a:t>\\w+</a:t>
-            </a:r>
-            <a:endParaRPr lang="zh-CN" altLang="en-US" sz="1400" dirty="0"/>
-          </a:p>
-        </p:txBody>
-      </p:sp>
-      <p:cxnSp>
-        <p:nvCxnSpPr>
-          <p:cNvPr id="29" name="连接符: 肘形 28">
-            <a:extLst>
-              <a:ext uri="{FF2B5EF4-FFF2-40B4-BE49-F238E27FC236}">
-                <a16:creationId xmlns:a16="http://schemas.microsoft.com/office/drawing/2014/main" id="{3CD15DB2-BF79-428C-8B56-CE9B1AE098DF}"/>
-              </a:ext>
-            </a:extLst>
-          </p:cNvPr>
-          <p:cNvCxnSpPr>
-            <a:cxnSpLocks/>
-            <a:stCxn id="28" idx="0"/>
-            <a:endCxn id="25" idx="2"/>
-          </p:cNvCxnSpPr>
-          <p:nvPr/>
-        </p:nvCxnSpPr>
-        <p:spPr>
-          <a:xfrm rot="5400000" flipH="1" flipV="1">
-            <a:off x="8635170" y="1298409"/>
-            <a:ext cx="625642" cy="547437"/>
-          </a:xfrm>
-          <a:prstGeom prst="bentConnector3">
-            <a:avLst/>
-          </a:prstGeom>
-          <a:ln w="19050">
-            <a:tailEnd type="triangle"/>
-          </a:ln>
-        </p:spPr>
-        <p:style>
-          <a:lnRef idx="1">
-            <a:schemeClr val="accent1"/>
-          </a:lnRef>
-          <a:fillRef idx="0">
-            <a:schemeClr val="accent1"/>
-          </a:fillRef>
-          <a:effectRef idx="0">
-            <a:schemeClr val="accent1"/>
-          </a:effectRef>
-          <a:fontRef idx="minor">
-            <a:schemeClr val="tx1"/>
-          </a:fontRef>
-        </p:style>
-      </p:cxnSp>
-      <p:sp>
-        <p:nvSpPr>
-          <p:cNvPr id="17" name="矩形 16">
-            <a:extLst>
-              <a:ext uri="{FF2B5EF4-FFF2-40B4-BE49-F238E27FC236}">
-                <a16:creationId xmlns:a16="http://schemas.microsoft.com/office/drawing/2014/main" id="{78AC9374-10E4-4062-8823-5AC1F9D4D965}"/>
-              </a:ext>
-            </a:extLst>
-          </p:cNvPr>
-          <p:cNvSpPr/>
-          <p:nvPr/>
-        </p:nvSpPr>
-        <p:spPr>
-          <a:xfrm>
-            <a:off x="5630780" y="906380"/>
-            <a:ext cx="465220" cy="352926"/>
-          </a:xfrm>
-          <a:prstGeom prst="rect">
-            <a:avLst/>
-          </a:prstGeom>
-        </p:spPr>
-        <p:style>
-          <a:lnRef idx="1">
-            <a:schemeClr val="accent1"/>
-          </a:lnRef>
-          <a:fillRef idx="2">
-            <a:schemeClr val="accent1"/>
-          </a:fillRef>
-          <a:effectRef idx="1">
-            <a:schemeClr val="accent1"/>
-          </a:effectRef>
-          <a:fontRef idx="minor">
-            <a:schemeClr val="dk1"/>
-          </a:fontRef>
-        </p:style>
-        <p:txBody>
-          <a:bodyPr rtlCol="0" anchor="ctr"/>
-          <a:lstStyle/>
-          <a:p>
-            <a:pPr algn="ctr"/>
-            <a:r>
-              <a:rPr lang="en-US" altLang="zh-CN" sz="1400" dirty="0"/>
-              <a:t>@</a:t>
-            </a:r>
-            <a:endParaRPr lang="zh-CN" altLang="en-US" sz="1400" dirty="0"/>
-          </a:p>
-        </p:txBody>
-      </p:sp>
-      <p:sp>
-        <p:nvSpPr>
-          <p:cNvPr id="18" name="矩形 17">
-            <a:extLst>
-              <a:ext uri="{FF2B5EF4-FFF2-40B4-BE49-F238E27FC236}">
-                <a16:creationId xmlns:a16="http://schemas.microsoft.com/office/drawing/2014/main" id="{537C0938-7CF2-49B5-9B2F-FB836AAFE431}"/>
-              </a:ext>
-            </a:extLst>
-          </p:cNvPr>
-          <p:cNvSpPr/>
-          <p:nvPr/>
-        </p:nvSpPr>
-        <p:spPr>
-          <a:xfrm>
-            <a:off x="8110793" y="906380"/>
-            <a:ext cx="465220" cy="352926"/>
-          </a:xfrm>
-          <a:prstGeom prst="rect">
-            <a:avLst/>
-          </a:prstGeom>
-        </p:spPr>
-        <p:style>
-          <a:lnRef idx="1">
-            <a:schemeClr val="accent1"/>
-          </a:lnRef>
-          <a:fillRef idx="2">
-            <a:schemeClr val="accent1"/>
-          </a:fillRef>
-          <a:effectRef idx="1">
-            <a:schemeClr val="accent1"/>
-          </a:effectRef>
-          <a:fontRef idx="minor">
-            <a:schemeClr val="dk1"/>
-          </a:fontRef>
-        </p:style>
-        <p:txBody>
-          <a:bodyPr rtlCol="0" anchor="ctr"/>
-          <a:lstStyle/>
-          <a:p>
-            <a:pPr algn="ctr"/>
-            <a:r>
-              <a:rPr lang="en-US" altLang="zh-CN" sz="1400" dirty="0"/>
-              <a:t>.</a:t>
-            </a:r>
-            <a:endParaRPr lang="zh-CN" altLang="en-US" sz="1400" dirty="0"/>
-          </a:p>
-        </p:txBody>
-      </p:sp>
-      <p:sp>
-        <p:nvSpPr>
-          <p:cNvPr id="20" name="矩形 19">
-            <a:extLst>
-              <a:ext uri="{FF2B5EF4-FFF2-40B4-BE49-F238E27FC236}">
-                <a16:creationId xmlns:a16="http://schemas.microsoft.com/office/drawing/2014/main" id="{3D73960D-5EF9-49E7-9050-D80CE9311DF9}"/>
-              </a:ext>
-            </a:extLst>
-          </p:cNvPr>
-          <p:cNvSpPr/>
-          <p:nvPr/>
-        </p:nvSpPr>
-        <p:spPr>
-          <a:xfrm>
-            <a:off x="4763003" y="1884948"/>
-            <a:ext cx="663742" cy="352926"/>
-          </a:xfrm>
-          <a:prstGeom prst="rect">
-            <a:avLst/>
-          </a:prstGeom>
-        </p:spPr>
-        <p:style>
-          <a:lnRef idx="1">
-            <a:schemeClr val="accent6"/>
-          </a:lnRef>
-          <a:fillRef idx="2">
-            <a:schemeClr val="accent6"/>
-          </a:fillRef>
-          <a:effectRef idx="1">
-            <a:schemeClr val="accent6"/>
-          </a:effectRef>
-          <a:fontRef idx="minor">
-            <a:schemeClr val="dk1"/>
-          </a:fontRef>
-        </p:style>
-        <p:txBody>
-          <a:bodyPr rtlCol="0" anchor="ctr"/>
-          <a:lstStyle/>
-          <a:p>
-            <a:pPr algn="ctr"/>
-            <a:r>
-              <a:rPr lang="en-US" altLang="zh-CN" sz="1400" dirty="0"/>
-              <a:t>@</a:t>
-            </a:r>
-            <a:endParaRPr lang="zh-CN" altLang="en-US" sz="1400" dirty="0"/>
-          </a:p>
-        </p:txBody>
-      </p:sp>
-      <p:cxnSp>
-        <p:nvCxnSpPr>
-          <p:cNvPr id="21" name="连接符: 肘形 20">
-            <a:extLst>
-              <a:ext uri="{FF2B5EF4-FFF2-40B4-BE49-F238E27FC236}">
-                <a16:creationId xmlns:a16="http://schemas.microsoft.com/office/drawing/2014/main" id="{0FFBDA61-546C-4886-A883-5721401B63D0}"/>
-              </a:ext>
-            </a:extLst>
-          </p:cNvPr>
-          <p:cNvCxnSpPr>
-            <a:cxnSpLocks/>
-            <a:stCxn id="20" idx="0"/>
-            <a:endCxn id="17" idx="2"/>
-          </p:cNvCxnSpPr>
-          <p:nvPr/>
-        </p:nvCxnSpPr>
-        <p:spPr>
-          <a:xfrm rot="5400000" flipH="1" flipV="1">
-            <a:off x="5166311" y="1187869"/>
-            <a:ext cx="625642" cy="768516"/>
-          </a:xfrm>
-          <a:prstGeom prst="bentConnector3">
-            <a:avLst/>
-          </a:prstGeom>
-          <a:ln w="19050">
-            <a:tailEnd type="triangle"/>
-          </a:ln>
-        </p:spPr>
-        <p:style>
-          <a:lnRef idx="1">
-            <a:schemeClr val="accent1"/>
-          </a:lnRef>
-          <a:fillRef idx="0">
-            <a:schemeClr val="accent1"/>
-          </a:fillRef>
-          <a:effectRef idx="0">
-            <a:schemeClr val="accent1"/>
-          </a:effectRef>
-          <a:fontRef idx="minor">
-            <a:schemeClr val="tx1"/>
-          </a:fontRef>
-        </p:style>
-      </p:cxnSp>
-      <p:sp>
-        <p:nvSpPr>
-          <p:cNvPr id="30" name="矩形 29">
-            <a:extLst>
-              <a:ext uri="{FF2B5EF4-FFF2-40B4-BE49-F238E27FC236}">
-                <a16:creationId xmlns:a16="http://schemas.microsoft.com/office/drawing/2014/main" id="{12F87DEF-2695-4E4F-9508-814790B45CF2}"/>
-              </a:ext>
-            </a:extLst>
-          </p:cNvPr>
-          <p:cNvSpPr/>
-          <p:nvPr/>
-        </p:nvSpPr>
-        <p:spPr>
-          <a:xfrm>
-            <a:off x="7243016" y="1884948"/>
-            <a:ext cx="663742" cy="352926"/>
-          </a:xfrm>
-          <a:prstGeom prst="rect">
-            <a:avLst/>
-          </a:prstGeom>
-        </p:spPr>
-        <p:style>
-          <a:lnRef idx="1">
-            <a:schemeClr val="accent6"/>
-          </a:lnRef>
-          <a:fillRef idx="2">
-            <a:schemeClr val="accent6"/>
-          </a:fillRef>
-          <a:effectRef idx="1">
-            <a:schemeClr val="accent6"/>
-          </a:effectRef>
-          <a:fontRef idx="minor">
-            <a:schemeClr val="dk1"/>
-          </a:fontRef>
-        </p:style>
-        <p:txBody>
-          <a:bodyPr rtlCol="0" anchor="ctr"/>
-          <a:lstStyle/>
-          <a:p>
-            <a:pPr algn="ctr"/>
-            <a:r>
-              <a:rPr lang="en-US" altLang="zh-CN" sz="1400" dirty="0"/>
-              <a:t>\\.</a:t>
-            </a:r>
-            <a:endParaRPr lang="zh-CN" altLang="en-US" sz="1400" dirty="0"/>
-          </a:p>
-        </p:txBody>
-      </p:sp>
-      <p:cxnSp>
-        <p:nvCxnSpPr>
-          <p:cNvPr id="31" name="连接符: 肘形 30">
-            <a:extLst>
-              <a:ext uri="{FF2B5EF4-FFF2-40B4-BE49-F238E27FC236}">
-                <a16:creationId xmlns:a16="http://schemas.microsoft.com/office/drawing/2014/main" id="{62B286AE-A596-412E-B2BB-4DFE7FC3DFB1}"/>
-              </a:ext>
-            </a:extLst>
-          </p:cNvPr>
-          <p:cNvCxnSpPr>
-            <a:cxnSpLocks/>
-            <a:stCxn id="30" idx="0"/>
-            <a:endCxn id="18" idx="2"/>
-          </p:cNvCxnSpPr>
-          <p:nvPr/>
-        </p:nvCxnSpPr>
-        <p:spPr>
-          <a:xfrm rot="5400000" flipH="1" flipV="1">
-            <a:off x="7646324" y="1187869"/>
-            <a:ext cx="625642" cy="768516"/>
-          </a:xfrm>
-          <a:prstGeom prst="bentConnector3">
-            <a:avLst>
-              <a:gd name="adj1" fmla="val 50000"/>
-            </a:avLst>
-          </a:prstGeom>
-          <a:ln w="19050">
-            <a:tailEnd type="triangle"/>
-          </a:ln>
-        </p:spPr>
-        <p:style>
-          <a:lnRef idx="1">
-            <a:schemeClr val="accent1"/>
-          </a:lnRef>
-          <a:fillRef idx="0">
-            <a:schemeClr val="accent1"/>
-          </a:fillRef>
-          <a:effectRef idx="0">
-            <a:schemeClr val="accent1"/>
-          </a:effectRef>
-          <a:fontRef idx="minor">
-            <a:schemeClr val="tx1"/>
-          </a:fontRef>
-        </p:style>
-      </p:cxnSp>
-      <p:sp>
-        <p:nvSpPr>
-          <p:cNvPr id="32" name="矩形 31">
-            <a:extLst>
-              <a:ext uri="{FF2B5EF4-FFF2-40B4-BE49-F238E27FC236}">
-                <a16:creationId xmlns:a16="http://schemas.microsoft.com/office/drawing/2014/main" id="{F3C10CF1-9741-4460-A881-B2D5306D9891}"/>
-              </a:ext>
-            </a:extLst>
-          </p:cNvPr>
-          <p:cNvSpPr/>
-          <p:nvPr/>
-        </p:nvSpPr>
-        <p:spPr>
-          <a:xfrm>
-            <a:off x="3192379" y="3761874"/>
-            <a:ext cx="1729539" cy="352926"/>
-          </a:xfrm>
-          <a:prstGeom prst="rect">
-            <a:avLst/>
-          </a:prstGeom>
-        </p:spPr>
-        <p:style>
-          <a:lnRef idx="1">
-            <a:schemeClr val="accent1"/>
-          </a:lnRef>
-          <a:fillRef idx="2">
-            <a:schemeClr val="accent1"/>
-          </a:fillRef>
-          <a:effectRef idx="1">
-            <a:schemeClr val="accent1"/>
-          </a:effectRef>
-          <a:fontRef idx="minor">
-            <a:schemeClr val="dk1"/>
-          </a:fontRef>
-        </p:style>
-        <p:txBody>
-          <a:bodyPr rtlCol="0" anchor="ctr"/>
-          <a:lstStyle/>
-          <a:p>
-            <a:pPr algn="ctr"/>
-            <a:r>
-              <a:rPr lang="en-US" altLang="zh-CN" sz="1400" dirty="0"/>
-              <a:t>park-ao_chong11</a:t>
-            </a:r>
-            <a:endParaRPr lang="zh-CN" altLang="en-US" sz="1400" dirty="0"/>
-          </a:p>
-        </p:txBody>
-      </p:sp>
-      <p:sp>
-        <p:nvSpPr>
-          <p:cNvPr id="34" name="矩形 33">
-            <a:extLst>
-              <a:ext uri="{FF2B5EF4-FFF2-40B4-BE49-F238E27FC236}">
-                <a16:creationId xmlns:a16="http://schemas.microsoft.com/office/drawing/2014/main" id="{1FC908CA-7711-4A7E-9D26-E243FD171DA5}"/>
-              </a:ext>
-            </a:extLst>
-          </p:cNvPr>
-          <p:cNvSpPr/>
-          <p:nvPr/>
-        </p:nvSpPr>
-        <p:spPr>
-          <a:xfrm>
-            <a:off x="2239136" y="4740442"/>
-            <a:ext cx="1987961" cy="352926"/>
-          </a:xfrm>
-          <a:prstGeom prst="rect">
-            <a:avLst/>
-          </a:prstGeom>
-        </p:spPr>
-        <p:style>
-          <a:lnRef idx="1">
-            <a:schemeClr val="accent6"/>
-          </a:lnRef>
-          <a:fillRef idx="2">
-            <a:schemeClr val="accent6"/>
-          </a:fillRef>
-          <a:effectRef idx="1">
-            <a:schemeClr val="accent6"/>
-          </a:effectRef>
-          <a:fontRef idx="minor">
-            <a:schemeClr val="dk1"/>
-          </a:fontRef>
-        </p:style>
-        <p:txBody>
-          <a:bodyPr rtlCol="0" anchor="ctr"/>
-          <a:lstStyle/>
-          <a:p>
-            <a:pPr algn="ctr"/>
-            <a:r>
-              <a:rPr lang="en-US" altLang="zh-CN" sz="1400" dirty="0"/>
-              <a:t>[a-zA-Z0-9_\\-\\.]{5,29}</a:t>
-            </a:r>
-            <a:endParaRPr lang="zh-CN" altLang="en-US" sz="1400" dirty="0"/>
-          </a:p>
-        </p:txBody>
-      </p:sp>
-      <p:cxnSp>
-        <p:nvCxnSpPr>
-          <p:cNvPr id="35" name="连接符: 肘形 34">
-            <a:extLst>
-              <a:ext uri="{FF2B5EF4-FFF2-40B4-BE49-F238E27FC236}">
-                <a16:creationId xmlns:a16="http://schemas.microsoft.com/office/drawing/2014/main" id="{2C33085A-F2CD-4471-A208-4BAFBD3CBD4A}"/>
-              </a:ext>
-            </a:extLst>
-          </p:cNvPr>
-          <p:cNvCxnSpPr>
-            <a:cxnSpLocks/>
-            <a:stCxn id="34" idx="0"/>
-            <a:endCxn id="32" idx="2"/>
-          </p:cNvCxnSpPr>
-          <p:nvPr/>
-        </p:nvCxnSpPr>
-        <p:spPr>
-          <a:xfrm rot="5400000" flipH="1" flipV="1">
-            <a:off x="3332312" y="4015605"/>
-            <a:ext cx="625642" cy="824032"/>
-          </a:xfrm>
-          <a:prstGeom prst="bentConnector3">
-            <a:avLst/>
-          </a:prstGeom>
-          <a:ln w="19050">
-            <a:tailEnd type="triangle"/>
-          </a:ln>
-        </p:spPr>
-        <p:style>
-          <a:lnRef idx="1">
-            <a:schemeClr val="accent1"/>
-          </a:lnRef>
-          <a:fillRef idx="0">
-            <a:schemeClr val="accent1"/>
-          </a:fillRef>
-          <a:effectRef idx="0">
-            <a:schemeClr val="accent1"/>
-          </a:effectRef>
-          <a:fontRef idx="minor">
-            <a:schemeClr val="tx1"/>
-          </a:fontRef>
-        </p:style>
-      </p:cxnSp>
-      <p:sp>
-        <p:nvSpPr>
-          <p:cNvPr id="38" name="矩形 37">
-            <a:extLst>
-              <a:ext uri="{FF2B5EF4-FFF2-40B4-BE49-F238E27FC236}">
-                <a16:creationId xmlns:a16="http://schemas.microsoft.com/office/drawing/2014/main" id="{C4D38FCB-0199-41D0-9D51-4F22496D3247}"/>
-              </a:ext>
-            </a:extLst>
-          </p:cNvPr>
-          <p:cNvSpPr/>
-          <p:nvPr/>
-        </p:nvSpPr>
-        <p:spPr>
-          <a:xfrm>
-            <a:off x="5630780" y="3761874"/>
-            <a:ext cx="465220" cy="352926"/>
-          </a:xfrm>
-          <a:prstGeom prst="rect">
-            <a:avLst/>
-          </a:prstGeom>
-        </p:spPr>
-        <p:style>
-          <a:lnRef idx="1">
-            <a:schemeClr val="accent1"/>
-          </a:lnRef>
-          <a:fillRef idx="2">
-            <a:schemeClr val="accent1"/>
-          </a:fillRef>
-          <a:effectRef idx="1">
-            <a:schemeClr val="accent1"/>
-          </a:effectRef>
-          <a:fontRef idx="minor">
-            <a:schemeClr val="dk1"/>
-          </a:fontRef>
-        </p:style>
-        <p:txBody>
-          <a:bodyPr rtlCol="0" anchor="ctr"/>
-          <a:lstStyle/>
-          <a:p>
-            <a:pPr algn="ctr"/>
-            <a:r>
-              <a:rPr lang="en-US" altLang="zh-CN" sz="1400" dirty="0"/>
-              <a:t>@</a:t>
-            </a:r>
-            <a:endParaRPr lang="zh-CN" altLang="en-US" sz="1400" dirty="0"/>
-          </a:p>
-        </p:txBody>
-      </p:sp>
-      <p:sp>
-        <p:nvSpPr>
-          <p:cNvPr id="39" name="矩形 38">
-            <a:extLst>
-              <a:ext uri="{FF2B5EF4-FFF2-40B4-BE49-F238E27FC236}">
-                <a16:creationId xmlns:a16="http://schemas.microsoft.com/office/drawing/2014/main" id="{CECBFBCA-EA1B-430A-B4E0-44949D1299B3}"/>
-              </a:ext>
-            </a:extLst>
-          </p:cNvPr>
-          <p:cNvSpPr/>
-          <p:nvPr/>
-        </p:nvSpPr>
-        <p:spPr>
-          <a:xfrm>
-            <a:off x="9018668" y="3761874"/>
-            <a:ext cx="663742" cy="352926"/>
-          </a:xfrm>
-          <a:prstGeom prst="rect">
-            <a:avLst/>
-          </a:prstGeom>
-        </p:spPr>
-        <p:style>
-          <a:lnRef idx="1">
-            <a:schemeClr val="accent1"/>
-          </a:lnRef>
-          <a:fillRef idx="2">
-            <a:schemeClr val="accent1"/>
-          </a:fillRef>
-          <a:effectRef idx="1">
-            <a:schemeClr val="accent1"/>
-          </a:effectRef>
-          <a:fontRef idx="minor">
-            <a:schemeClr val="dk1"/>
-          </a:fontRef>
-        </p:style>
-        <p:txBody>
-          <a:bodyPr rtlCol="0" anchor="ctr"/>
-          <a:lstStyle/>
-          <a:p>
-            <a:pPr algn="ctr"/>
-            <a:r>
-              <a:rPr lang="en-US" altLang="zh-CN" sz="1400" dirty="0"/>
-              <a:t>com</a:t>
-            </a:r>
-            <a:endParaRPr lang="zh-CN" altLang="en-US" sz="1400" dirty="0"/>
-          </a:p>
-        </p:txBody>
-      </p:sp>
-      <p:sp>
-        <p:nvSpPr>
-          <p:cNvPr id="40" name="矩形 39">
-            <a:extLst>
-              <a:ext uri="{FF2B5EF4-FFF2-40B4-BE49-F238E27FC236}">
-                <a16:creationId xmlns:a16="http://schemas.microsoft.com/office/drawing/2014/main" id="{9111D880-A5BB-4E2D-8D1C-0143DC157A25}"/>
-              </a:ext>
-            </a:extLst>
-          </p:cNvPr>
-          <p:cNvSpPr/>
-          <p:nvPr/>
-        </p:nvSpPr>
-        <p:spPr>
-          <a:xfrm>
-            <a:off x="4763003" y="4740442"/>
-            <a:ext cx="663742" cy="352926"/>
-          </a:xfrm>
-          <a:prstGeom prst="rect">
-            <a:avLst/>
-          </a:prstGeom>
-        </p:spPr>
-        <p:style>
-          <a:lnRef idx="1">
-            <a:schemeClr val="accent6"/>
-          </a:lnRef>
-          <a:fillRef idx="2">
-            <a:schemeClr val="accent6"/>
-          </a:fillRef>
-          <a:effectRef idx="1">
-            <a:schemeClr val="accent6"/>
-          </a:effectRef>
-          <a:fontRef idx="minor">
-            <a:schemeClr val="dk1"/>
-          </a:fontRef>
-        </p:style>
-        <p:txBody>
-          <a:bodyPr rtlCol="0" anchor="ctr"/>
-          <a:lstStyle/>
-          <a:p>
-            <a:pPr algn="ctr"/>
-            <a:r>
-              <a:rPr lang="en-US" altLang="zh-CN" sz="1400" dirty="0"/>
-              <a:t>@</a:t>
-            </a:r>
-            <a:endParaRPr lang="zh-CN" altLang="en-US" sz="1400" dirty="0"/>
-          </a:p>
-        </p:txBody>
-      </p:sp>
-      <p:cxnSp>
-        <p:nvCxnSpPr>
-          <p:cNvPr id="41" name="连接符: 肘形 40">
-            <a:extLst>
-              <a:ext uri="{FF2B5EF4-FFF2-40B4-BE49-F238E27FC236}">
-                <a16:creationId xmlns:a16="http://schemas.microsoft.com/office/drawing/2014/main" id="{5D55B27E-494D-4F63-90EA-EC10452E08F6}"/>
-              </a:ext>
-            </a:extLst>
-          </p:cNvPr>
-          <p:cNvCxnSpPr>
-            <a:cxnSpLocks/>
-            <a:stCxn id="40" idx="0"/>
-            <a:endCxn id="38" idx="2"/>
-          </p:cNvCxnSpPr>
-          <p:nvPr/>
-        </p:nvCxnSpPr>
-        <p:spPr>
-          <a:xfrm rot="5400000" flipH="1" flipV="1">
-            <a:off x="5166311" y="4043363"/>
-            <a:ext cx="625642" cy="768516"/>
-          </a:xfrm>
-          <a:prstGeom prst="bentConnector3">
-            <a:avLst/>
-          </a:prstGeom>
-          <a:ln w="19050">
-            <a:tailEnd type="triangle"/>
-          </a:ln>
-        </p:spPr>
-        <p:style>
-          <a:lnRef idx="1">
-            <a:schemeClr val="accent1"/>
-          </a:lnRef>
-          <a:fillRef idx="0">
-            <a:schemeClr val="accent1"/>
-          </a:fillRef>
-          <a:effectRef idx="0">
-            <a:schemeClr val="accent1"/>
-          </a:effectRef>
-          <a:fontRef idx="minor">
-            <a:schemeClr val="tx1"/>
-          </a:fontRef>
-        </p:style>
-      </p:cxnSp>
-      <p:sp>
-        <p:nvSpPr>
-          <p:cNvPr id="42" name="矩形 41">
-            <a:extLst>
-              <a:ext uri="{FF2B5EF4-FFF2-40B4-BE49-F238E27FC236}">
-                <a16:creationId xmlns:a16="http://schemas.microsoft.com/office/drawing/2014/main" id="{67AA0812-9BF7-4526-B7D7-1E40CBD2AF5A}"/>
-              </a:ext>
-            </a:extLst>
-          </p:cNvPr>
-          <p:cNvSpPr/>
-          <p:nvPr/>
-        </p:nvSpPr>
-        <p:spPr>
-          <a:xfrm>
-            <a:off x="5358063" y="5422231"/>
-            <a:ext cx="6481770" cy="352926"/>
-          </a:xfrm>
-          <a:prstGeom prst="rect">
-            <a:avLst/>
-          </a:prstGeom>
-        </p:spPr>
-        <p:style>
-          <a:lnRef idx="1">
-            <a:schemeClr val="accent6"/>
-          </a:lnRef>
-          <a:fillRef idx="2">
-            <a:schemeClr val="accent6"/>
-          </a:fillRef>
-          <a:effectRef idx="1">
-            <a:schemeClr val="accent6"/>
-          </a:effectRef>
-          <a:fontRef idx="minor">
-            <a:schemeClr val="dk1"/>
-          </a:fontRef>
-        </p:style>
-        <p:txBody>
-          <a:bodyPr rtlCol="0" anchor="ctr"/>
-          <a:lstStyle/>
-          <a:p>
-            <a:pPr algn="ctr"/>
-            <a:r>
-              <a:rPr lang="en-US" altLang="zh-CN" sz="1400" dirty="0"/>
-              <a:t>(</a:t>
-            </a:r>
-            <a:r>
-              <a:rPr lang="en-US" altLang="zh-CN" sz="1400" dirty="0" err="1"/>
-              <a:t>com|net|cn|com</a:t>
-            </a:r>
-            <a:r>
-              <a:rPr lang="en-US" altLang="zh-CN" sz="1400" dirty="0"/>
-              <a:t>\\.</a:t>
-            </a:r>
-            <a:r>
-              <a:rPr lang="en-US" altLang="zh-CN" sz="1400" dirty="0" err="1"/>
-              <a:t>cn|top|xyz|net</a:t>
-            </a:r>
-            <a:r>
-              <a:rPr lang="en-US" altLang="zh-CN" sz="1400" dirty="0"/>
-              <a:t>\\.</a:t>
-            </a:r>
-            <a:r>
-              <a:rPr lang="en-US" altLang="zh-CN" sz="1400" dirty="0" err="1"/>
-              <a:t>cn|edu|gov|org|me|top|e</a:t>
-            </a:r>
-            <a:r>
-              <a:rPr lang="en-US" altLang="zh-CN" sz="1400" dirty="0"/>
-              <a:t>])</a:t>
-            </a:r>
-            <a:endParaRPr lang="zh-CN" altLang="en-US" sz="1400" dirty="0"/>
-          </a:p>
-        </p:txBody>
-      </p:sp>
-      <p:cxnSp>
-        <p:nvCxnSpPr>
-          <p:cNvPr id="43" name="连接符: 肘形 42">
-            <a:extLst>
-              <a:ext uri="{FF2B5EF4-FFF2-40B4-BE49-F238E27FC236}">
-                <a16:creationId xmlns:a16="http://schemas.microsoft.com/office/drawing/2014/main" id="{09DB84AC-E3A0-4F65-9391-0188FA61FD29}"/>
-              </a:ext>
-            </a:extLst>
-          </p:cNvPr>
-          <p:cNvCxnSpPr>
-            <a:cxnSpLocks/>
-            <a:stCxn id="42" idx="0"/>
-            <a:endCxn id="39" idx="2"/>
-          </p:cNvCxnSpPr>
-          <p:nvPr/>
-        </p:nvCxnSpPr>
-        <p:spPr>
-          <a:xfrm rot="5400000" flipH="1" flipV="1">
-            <a:off x="8321028" y="4392721"/>
-            <a:ext cx="1307431" cy="751591"/>
-          </a:xfrm>
-          <a:prstGeom prst="bentConnector3">
-            <a:avLst>
-              <a:gd name="adj1" fmla="val 50000"/>
-            </a:avLst>
-          </a:prstGeom>
-          <a:ln w="19050">
-            <a:tailEnd type="triangle"/>
-          </a:ln>
-        </p:spPr>
-        <p:style>
-          <a:lnRef idx="1">
-            <a:schemeClr val="accent1"/>
-          </a:lnRef>
-          <a:fillRef idx="0">
-            <a:schemeClr val="accent1"/>
-          </a:fillRef>
-          <a:effectRef idx="0">
-            <a:schemeClr val="accent1"/>
-          </a:effectRef>
-          <a:fontRef idx="minor">
-            <a:schemeClr val="tx1"/>
-          </a:fontRef>
-        </p:style>
-      </p:cxnSp>
-      <p:sp>
-        <p:nvSpPr>
-          <p:cNvPr id="44" name="矩形 43">
-            <a:extLst>
-              <a:ext uri="{FF2B5EF4-FFF2-40B4-BE49-F238E27FC236}">
-                <a16:creationId xmlns:a16="http://schemas.microsoft.com/office/drawing/2014/main" id="{37EEFBC6-8C85-44E0-8FD7-3098E6F1318C}"/>
-              </a:ext>
-            </a:extLst>
-          </p:cNvPr>
-          <p:cNvSpPr/>
-          <p:nvPr/>
-        </p:nvSpPr>
-        <p:spPr>
-          <a:xfrm>
-            <a:off x="6432134" y="3761873"/>
-            <a:ext cx="1095380" cy="352926"/>
-          </a:xfrm>
-          <a:prstGeom prst="rect">
-            <a:avLst/>
-          </a:prstGeom>
-        </p:spPr>
-        <p:style>
-          <a:lnRef idx="1">
-            <a:schemeClr val="accent1"/>
-          </a:lnRef>
-          <a:fillRef idx="2">
-            <a:schemeClr val="accent1"/>
-          </a:fillRef>
-          <a:effectRef idx="1">
-            <a:schemeClr val="accent1"/>
-          </a:effectRef>
-          <a:fontRef idx="minor">
-            <a:schemeClr val="dk1"/>
-          </a:fontRef>
-        </p:style>
-        <p:txBody>
-          <a:bodyPr rtlCol="0" anchor="ctr"/>
-          <a:lstStyle/>
-          <a:p>
-            <a:pPr algn="ctr"/>
-            <a:r>
-              <a:rPr lang="en-US" altLang="zh-CN" sz="1400" dirty="0" err="1"/>
-              <a:t>gmail.hello</a:t>
-            </a:r>
-            <a:endParaRPr lang="zh-CN" altLang="en-US" sz="1400" dirty="0"/>
-          </a:p>
-        </p:txBody>
-      </p:sp>
-      <p:sp>
-        <p:nvSpPr>
-          <p:cNvPr id="52" name="矩形 51">
-            <a:extLst>
-              <a:ext uri="{FF2B5EF4-FFF2-40B4-BE49-F238E27FC236}">
-                <a16:creationId xmlns:a16="http://schemas.microsoft.com/office/drawing/2014/main" id="{FF2B32A9-09D8-434E-8D17-A3DF690A646B}"/>
-              </a:ext>
-            </a:extLst>
-          </p:cNvPr>
-          <p:cNvSpPr/>
-          <p:nvPr/>
-        </p:nvSpPr>
-        <p:spPr>
-          <a:xfrm>
-            <a:off x="6894096" y="906380"/>
-            <a:ext cx="465220" cy="352926"/>
-          </a:xfrm>
-          <a:prstGeom prst="rect">
-            <a:avLst/>
-          </a:prstGeom>
-        </p:spPr>
-        <p:style>
-          <a:lnRef idx="1">
-            <a:schemeClr val="accent1"/>
-          </a:lnRef>
-          <a:fillRef idx="2">
-            <a:schemeClr val="accent1"/>
-          </a:fillRef>
-          <a:effectRef idx="1">
-            <a:schemeClr val="accent1"/>
-          </a:effectRef>
-          <a:fontRef idx="minor">
-            <a:schemeClr val="dk1"/>
-          </a:fontRef>
-        </p:style>
-        <p:txBody>
-          <a:bodyPr rtlCol="0" anchor="ctr"/>
-          <a:lstStyle/>
-          <a:p>
-            <a:pPr algn="ctr"/>
-            <a:r>
-              <a:rPr lang="en-US" altLang="zh-CN" sz="1400" dirty="0"/>
-              <a:t>a</a:t>
-            </a:r>
-            <a:endParaRPr lang="zh-CN" altLang="en-US" sz="1400" dirty="0"/>
-          </a:p>
-        </p:txBody>
-      </p:sp>
-      <p:sp>
-        <p:nvSpPr>
-          <p:cNvPr id="53" name="矩形 52">
-            <a:extLst>
-              <a:ext uri="{FF2B5EF4-FFF2-40B4-BE49-F238E27FC236}">
-                <a16:creationId xmlns:a16="http://schemas.microsoft.com/office/drawing/2014/main" id="{08081964-63A7-4D36-AF62-7B7DF03FB50D}"/>
-              </a:ext>
-            </a:extLst>
-          </p:cNvPr>
-          <p:cNvSpPr/>
-          <p:nvPr/>
-        </p:nvSpPr>
-        <p:spPr>
-          <a:xfrm>
-            <a:off x="6153150" y="1884948"/>
-            <a:ext cx="652714" cy="352926"/>
-          </a:xfrm>
-          <a:prstGeom prst="rect">
-            <a:avLst/>
-          </a:prstGeom>
-        </p:spPr>
-        <p:style>
-          <a:lnRef idx="1">
-            <a:schemeClr val="accent6"/>
-          </a:lnRef>
-          <a:fillRef idx="2">
-            <a:schemeClr val="accent6"/>
-          </a:fillRef>
-          <a:effectRef idx="1">
-            <a:schemeClr val="accent6"/>
-          </a:effectRef>
-          <a:fontRef idx="minor">
-            <a:schemeClr val="dk1"/>
-          </a:fontRef>
-        </p:style>
-        <p:txBody>
-          <a:bodyPr rtlCol="0" anchor="ctr"/>
-          <a:lstStyle/>
-          <a:p>
-            <a:pPr algn="ctr"/>
-            <a:r>
-              <a:rPr lang="en-US" altLang="zh-CN" sz="1400" dirty="0"/>
-              <a:t>\\w+</a:t>
-            </a:r>
-            <a:endParaRPr lang="zh-CN" altLang="en-US" sz="1400" dirty="0"/>
-          </a:p>
-        </p:txBody>
-      </p:sp>
-      <p:cxnSp>
-        <p:nvCxnSpPr>
-          <p:cNvPr id="54" name="连接符: 肘形 53">
-            <a:extLst>
-              <a:ext uri="{FF2B5EF4-FFF2-40B4-BE49-F238E27FC236}">
-                <a16:creationId xmlns:a16="http://schemas.microsoft.com/office/drawing/2014/main" id="{F81E5370-E285-4551-955B-461644C13690}"/>
-              </a:ext>
-            </a:extLst>
-          </p:cNvPr>
-          <p:cNvCxnSpPr>
-            <a:cxnSpLocks/>
-            <a:stCxn id="53" idx="0"/>
-            <a:endCxn id="52" idx="2"/>
-          </p:cNvCxnSpPr>
-          <p:nvPr/>
-        </p:nvCxnSpPr>
-        <p:spPr>
-          <a:xfrm rot="5400000" flipH="1" flipV="1">
-            <a:off x="6490285" y="1248528"/>
-            <a:ext cx="625642" cy="647199"/>
-          </a:xfrm>
-          <a:prstGeom prst="bentConnector3">
-            <a:avLst/>
-          </a:prstGeom>
-          <a:ln w="19050">
-            <a:tailEnd type="triangle"/>
-          </a:ln>
-        </p:spPr>
-        <p:style>
-          <a:lnRef idx="1">
-            <a:schemeClr val="accent1"/>
-          </a:lnRef>
-          <a:fillRef idx="0">
-            <a:schemeClr val="accent1"/>
-          </a:fillRef>
-          <a:effectRef idx="0">
-            <a:schemeClr val="accent1"/>
-          </a:effectRef>
-          <a:fontRef idx="minor">
-            <a:schemeClr val="tx1"/>
-          </a:fontRef>
-        </p:style>
-      </p:cxnSp>
-      <p:sp>
-        <p:nvSpPr>
-          <p:cNvPr id="59" name="矩形 58">
-            <a:extLst>
-              <a:ext uri="{FF2B5EF4-FFF2-40B4-BE49-F238E27FC236}">
-                <a16:creationId xmlns:a16="http://schemas.microsoft.com/office/drawing/2014/main" id="{7C9DD1A8-BF62-439F-912A-A51BFBF88DCC}"/>
-              </a:ext>
-            </a:extLst>
-          </p:cNvPr>
-          <p:cNvSpPr/>
-          <p:nvPr/>
-        </p:nvSpPr>
-        <p:spPr>
-          <a:xfrm>
-            <a:off x="2021809" y="3761874"/>
-            <a:ext cx="465220" cy="352926"/>
-          </a:xfrm>
-          <a:prstGeom prst="rect">
-            <a:avLst/>
-          </a:prstGeom>
-        </p:spPr>
-        <p:style>
-          <a:lnRef idx="1">
-            <a:schemeClr val="accent1"/>
-          </a:lnRef>
-          <a:fillRef idx="2">
-            <a:schemeClr val="accent1"/>
-          </a:fillRef>
-          <a:effectRef idx="1">
-            <a:schemeClr val="accent1"/>
-          </a:effectRef>
-          <a:fontRef idx="minor">
-            <a:schemeClr val="dk1"/>
-          </a:fontRef>
-        </p:style>
-        <p:txBody>
-          <a:bodyPr rtlCol="0" anchor="ctr"/>
-          <a:lstStyle/>
-          <a:p>
-            <a:pPr algn="ctr"/>
-            <a:r>
-              <a:rPr lang="en-US" altLang="zh-CN" sz="1400" dirty="0"/>
-              <a:t>s</a:t>
-            </a:r>
-            <a:endParaRPr lang="zh-CN" altLang="en-US" sz="1400" dirty="0"/>
-          </a:p>
-        </p:txBody>
-      </p:sp>
-      <p:sp>
-        <p:nvSpPr>
-          <p:cNvPr id="61" name="文本框 60">
-            <a:extLst>
-              <a:ext uri="{FF2B5EF4-FFF2-40B4-BE49-F238E27FC236}">
-                <a16:creationId xmlns:a16="http://schemas.microsoft.com/office/drawing/2014/main" id="{F7CEEC15-2A58-408A-820B-C63940992F7B}"/>
-              </a:ext>
-            </a:extLst>
-          </p:cNvPr>
-          <p:cNvSpPr txBox="1"/>
-          <p:nvPr/>
-        </p:nvSpPr>
-        <p:spPr>
-          <a:xfrm>
-            <a:off x="537411" y="320842"/>
-            <a:ext cx="2097049" cy="369332"/>
-          </a:xfrm>
-          <a:prstGeom prst="rect">
-            <a:avLst/>
-          </a:prstGeom>
-          <a:noFill/>
-        </p:spPr>
-        <p:txBody>
-          <a:bodyPr wrap="none" rtlCol="0">
-            <a:spAutoFit/>
-          </a:bodyPr>
-          <a:lstStyle/>
-          <a:p>
-            <a:r>
-              <a:rPr lang="en-US" altLang="zh-CN" dirty="0"/>
-              <a:t>Email</a:t>
-            </a:r>
-            <a:r>
-              <a:rPr lang="zh-CN" altLang="en-US" dirty="0"/>
-              <a:t>地址验证分析</a:t>
-            </a:r>
-          </a:p>
-        </p:txBody>
-      </p:sp>
-      <p:sp>
-        <p:nvSpPr>
-          <p:cNvPr id="62" name="矩形 61">
-            <a:extLst>
-              <a:ext uri="{FF2B5EF4-FFF2-40B4-BE49-F238E27FC236}">
-                <a16:creationId xmlns:a16="http://schemas.microsoft.com/office/drawing/2014/main" id="{9EA15090-2441-4772-8761-CA52115E9A4F}"/>
-              </a:ext>
-            </a:extLst>
-          </p:cNvPr>
-          <p:cNvSpPr/>
-          <p:nvPr/>
-        </p:nvSpPr>
-        <p:spPr>
-          <a:xfrm>
-            <a:off x="633664" y="4740442"/>
-            <a:ext cx="1199902" cy="352926"/>
-          </a:xfrm>
-          <a:prstGeom prst="rect">
-            <a:avLst/>
-          </a:prstGeom>
-        </p:spPr>
-        <p:style>
-          <a:lnRef idx="1">
-            <a:schemeClr val="accent6"/>
-          </a:lnRef>
-          <a:fillRef idx="2">
-            <a:schemeClr val="accent6"/>
-          </a:fillRef>
-          <a:effectRef idx="1">
-            <a:schemeClr val="accent6"/>
-          </a:effectRef>
-          <a:fontRef idx="minor">
-            <a:schemeClr val="dk1"/>
-          </a:fontRef>
-        </p:style>
-        <p:txBody>
-          <a:bodyPr rtlCol="0" anchor="ctr"/>
-          <a:lstStyle/>
-          <a:p>
-            <a:pPr algn="ctr"/>
-            <a:r>
-              <a:rPr lang="en-US" altLang="zh-CN" sz="1400" dirty="0"/>
-              <a:t>[a-</a:t>
-            </a:r>
-            <a:r>
-              <a:rPr lang="en-US" altLang="zh-CN" sz="1400" dirty="0" err="1"/>
-              <a:t>zA</a:t>
-            </a:r>
-            <a:r>
-              <a:rPr lang="en-US" altLang="zh-CN" sz="1400" dirty="0"/>
-              <a:t>-Z]</a:t>
-            </a:r>
-            <a:endParaRPr lang="zh-CN" altLang="en-US" sz="1400" dirty="0"/>
-          </a:p>
-        </p:txBody>
-      </p:sp>
-      <p:cxnSp>
-        <p:nvCxnSpPr>
-          <p:cNvPr id="63" name="连接符: 肘形 62">
-            <a:extLst>
-              <a:ext uri="{FF2B5EF4-FFF2-40B4-BE49-F238E27FC236}">
-                <a16:creationId xmlns:a16="http://schemas.microsoft.com/office/drawing/2014/main" id="{7330014E-8EB1-482A-AEF3-9B9977CF0707}"/>
-              </a:ext>
-            </a:extLst>
-          </p:cNvPr>
-          <p:cNvCxnSpPr>
-            <a:cxnSpLocks/>
-            <a:stCxn id="62" idx="0"/>
-            <a:endCxn id="59" idx="2"/>
-          </p:cNvCxnSpPr>
-          <p:nvPr/>
-        </p:nvCxnSpPr>
-        <p:spPr>
-          <a:xfrm rot="5400000" flipH="1" flipV="1">
-            <a:off x="1431196" y="3917219"/>
-            <a:ext cx="625642" cy="1020804"/>
-          </a:xfrm>
-          <a:prstGeom prst="bentConnector3">
-            <a:avLst/>
-          </a:prstGeom>
-          <a:ln w="19050">
-            <a:tailEnd type="triangle"/>
-          </a:ln>
-        </p:spPr>
-        <p:style>
-          <a:lnRef idx="1">
-            <a:schemeClr val="accent1"/>
-          </a:lnRef>
-          <a:fillRef idx="0">
-            <a:schemeClr val="accent1"/>
-          </a:fillRef>
-          <a:effectRef idx="0">
-            <a:schemeClr val="accent1"/>
-          </a:effectRef>
-          <a:fontRef idx="minor">
-            <a:schemeClr val="tx1"/>
-          </a:fontRef>
-        </p:style>
-      </p:cxnSp>
-      <p:sp>
-        <p:nvSpPr>
-          <p:cNvPr id="67" name="文本框 66">
-            <a:extLst>
-              <a:ext uri="{FF2B5EF4-FFF2-40B4-BE49-F238E27FC236}">
-                <a16:creationId xmlns:a16="http://schemas.microsoft.com/office/drawing/2014/main" id="{4264E1FD-0279-4384-A4D6-A34D66A2D6B3}"/>
-              </a:ext>
-            </a:extLst>
-          </p:cNvPr>
-          <p:cNvSpPr txBox="1"/>
-          <p:nvPr/>
-        </p:nvSpPr>
-        <p:spPr>
-          <a:xfrm>
-            <a:off x="1023461" y="5227584"/>
-            <a:ext cx="420308" cy="276999"/>
-          </a:xfrm>
-          <a:prstGeom prst="rect">
-            <a:avLst/>
-          </a:prstGeom>
-          <a:noFill/>
-        </p:spPr>
-        <p:txBody>
-          <a:bodyPr wrap="none" rtlCol="0">
-            <a:spAutoFit/>
-          </a:bodyPr>
-          <a:lstStyle/>
-          <a:p>
-            <a:r>
-              <a:rPr lang="en-US" altLang="zh-CN" sz="1200" dirty="0"/>
-              <a:t>1</a:t>
-            </a:r>
-            <a:r>
-              <a:rPr lang="zh-CN" altLang="en-US" sz="1200" dirty="0"/>
-              <a:t>位</a:t>
-            </a:r>
-          </a:p>
-        </p:txBody>
-      </p:sp>
-      <p:sp>
-        <p:nvSpPr>
-          <p:cNvPr id="71" name="文本框 70">
-            <a:extLst>
-              <a:ext uri="{FF2B5EF4-FFF2-40B4-BE49-F238E27FC236}">
-                <a16:creationId xmlns:a16="http://schemas.microsoft.com/office/drawing/2014/main" id="{3D1FA42F-C880-430B-B7ED-739677B22478}"/>
-              </a:ext>
-            </a:extLst>
-          </p:cNvPr>
-          <p:cNvSpPr txBox="1"/>
-          <p:nvPr/>
-        </p:nvSpPr>
-        <p:spPr>
-          <a:xfrm>
-            <a:off x="2889913" y="5241484"/>
-            <a:ext cx="686406" cy="276999"/>
-          </a:xfrm>
-          <a:prstGeom prst="rect">
-            <a:avLst/>
-          </a:prstGeom>
-          <a:noFill/>
-        </p:spPr>
-        <p:txBody>
-          <a:bodyPr wrap="none" rtlCol="0">
-            <a:spAutoFit/>
-          </a:bodyPr>
-          <a:lstStyle/>
-          <a:p>
-            <a:r>
-              <a:rPr lang="en-US" altLang="zh-CN" sz="1200" dirty="0"/>
-              <a:t>5~29</a:t>
-            </a:r>
-            <a:r>
-              <a:rPr lang="zh-CN" altLang="en-US" sz="1200" dirty="0"/>
-              <a:t>位</a:t>
-            </a:r>
-          </a:p>
-        </p:txBody>
-      </p:sp>
-      <p:sp>
-        <p:nvSpPr>
-          <p:cNvPr id="72" name="矩形 71">
-            <a:extLst>
-              <a:ext uri="{FF2B5EF4-FFF2-40B4-BE49-F238E27FC236}">
-                <a16:creationId xmlns:a16="http://schemas.microsoft.com/office/drawing/2014/main" id="{715CF783-99A2-4F0C-92CB-670341CF4BEF}"/>
-              </a:ext>
-            </a:extLst>
-          </p:cNvPr>
-          <p:cNvSpPr/>
-          <p:nvPr/>
-        </p:nvSpPr>
-        <p:spPr>
-          <a:xfrm>
-            <a:off x="5719012" y="4740442"/>
-            <a:ext cx="1987961" cy="352926"/>
-          </a:xfrm>
-          <a:prstGeom prst="rect">
-            <a:avLst/>
-          </a:prstGeom>
-        </p:spPr>
-        <p:style>
-          <a:lnRef idx="1">
-            <a:schemeClr val="accent6"/>
-          </a:lnRef>
-          <a:fillRef idx="2">
-            <a:schemeClr val="accent6"/>
-          </a:fillRef>
-          <a:effectRef idx="1">
-            <a:schemeClr val="accent6"/>
-          </a:effectRef>
-          <a:fontRef idx="minor">
-            <a:schemeClr val="dk1"/>
-          </a:fontRef>
-        </p:style>
-        <p:txBody>
-          <a:bodyPr rtlCol="0" anchor="ctr"/>
-          <a:lstStyle/>
-          <a:p>
-            <a:pPr algn="ctr"/>
-            <a:r>
-              <a:rPr lang="en-US" altLang="zh-CN" sz="1400" dirty="0"/>
-              <a:t>[a-zA-Z0-9_\\-\\.]+</a:t>
-            </a:r>
-            <a:endParaRPr lang="zh-CN" altLang="en-US" sz="1400" dirty="0"/>
-          </a:p>
-        </p:txBody>
-      </p:sp>
-      <p:cxnSp>
-        <p:nvCxnSpPr>
-          <p:cNvPr id="73" name="连接符: 肘形 72">
-            <a:extLst>
-              <a:ext uri="{FF2B5EF4-FFF2-40B4-BE49-F238E27FC236}">
-                <a16:creationId xmlns:a16="http://schemas.microsoft.com/office/drawing/2014/main" id="{1B8340B6-E453-437A-BF4C-1435AC9C4D1E}"/>
-              </a:ext>
-            </a:extLst>
-          </p:cNvPr>
-          <p:cNvCxnSpPr>
-            <a:cxnSpLocks/>
-            <a:stCxn id="72" idx="0"/>
-            <a:endCxn id="44" idx="2"/>
-          </p:cNvCxnSpPr>
-          <p:nvPr/>
-        </p:nvCxnSpPr>
-        <p:spPr>
-          <a:xfrm rot="5400000" flipH="1" flipV="1">
-            <a:off x="6533587" y="4294206"/>
-            <a:ext cx="625643" cy="266831"/>
-          </a:xfrm>
-          <a:prstGeom prst="bentConnector3">
-            <a:avLst/>
-          </a:prstGeom>
-          <a:ln w="19050">
-            <a:tailEnd type="triangle"/>
-          </a:ln>
-        </p:spPr>
-        <p:style>
-          <a:lnRef idx="1">
-            <a:schemeClr val="accent1"/>
-          </a:lnRef>
-          <a:fillRef idx="0">
-            <a:schemeClr val="accent1"/>
-          </a:fillRef>
-          <a:effectRef idx="0">
-            <a:schemeClr val="accent1"/>
-          </a:effectRef>
-          <a:fontRef idx="minor">
-            <a:schemeClr val="tx1"/>
-          </a:fontRef>
-        </p:style>
-      </p:cxnSp>
-      <p:sp>
-        <p:nvSpPr>
-          <p:cNvPr id="77" name="矩形 76">
-            <a:extLst>
-              <a:ext uri="{FF2B5EF4-FFF2-40B4-BE49-F238E27FC236}">
-                <a16:creationId xmlns:a16="http://schemas.microsoft.com/office/drawing/2014/main" id="{FF3F7EF8-35FB-44FA-9F8A-4D3C43F876C8}"/>
-              </a:ext>
-            </a:extLst>
-          </p:cNvPr>
-          <p:cNvSpPr/>
-          <p:nvPr/>
-        </p:nvSpPr>
-        <p:spPr>
-          <a:xfrm>
-            <a:off x="8184720" y="3761873"/>
-            <a:ext cx="465220" cy="352926"/>
-          </a:xfrm>
-          <a:prstGeom prst="rect">
-            <a:avLst/>
-          </a:prstGeom>
-        </p:spPr>
-        <p:style>
-          <a:lnRef idx="1">
-            <a:schemeClr val="accent1"/>
-          </a:lnRef>
-          <a:fillRef idx="2">
-            <a:schemeClr val="accent1"/>
-          </a:fillRef>
-          <a:effectRef idx="1">
-            <a:schemeClr val="accent1"/>
-          </a:effectRef>
-          <a:fontRef idx="minor">
-            <a:schemeClr val="dk1"/>
-          </a:fontRef>
-        </p:style>
-        <p:txBody>
-          <a:bodyPr rtlCol="0" anchor="ctr"/>
-          <a:lstStyle/>
-          <a:p>
-            <a:pPr algn="ctr"/>
-            <a:r>
-              <a:rPr lang="en-US" altLang="zh-CN" sz="1400" dirty="0"/>
-              <a:t>.</a:t>
-            </a:r>
-            <a:endParaRPr lang="zh-CN" altLang="en-US" sz="1400" dirty="0"/>
-          </a:p>
-        </p:txBody>
-      </p:sp>
-      <p:sp>
-        <p:nvSpPr>
-          <p:cNvPr id="78" name="矩形 77">
-            <a:extLst>
-              <a:ext uri="{FF2B5EF4-FFF2-40B4-BE49-F238E27FC236}">
-                <a16:creationId xmlns:a16="http://schemas.microsoft.com/office/drawing/2014/main" id="{CBC6F9CB-4293-4A97-8EC0-BD96F9504A12}"/>
-              </a:ext>
-            </a:extLst>
-          </p:cNvPr>
-          <p:cNvSpPr/>
-          <p:nvPr/>
-        </p:nvSpPr>
-        <p:spPr>
-          <a:xfrm>
-            <a:off x="7887699" y="4716378"/>
-            <a:ext cx="663742" cy="352926"/>
-          </a:xfrm>
-          <a:prstGeom prst="rect">
-            <a:avLst/>
-          </a:prstGeom>
-        </p:spPr>
-        <p:style>
-          <a:lnRef idx="1">
-            <a:schemeClr val="accent6"/>
-          </a:lnRef>
-          <a:fillRef idx="2">
-            <a:schemeClr val="accent6"/>
-          </a:fillRef>
-          <a:effectRef idx="1">
-            <a:schemeClr val="accent6"/>
-          </a:effectRef>
-          <a:fontRef idx="minor">
-            <a:schemeClr val="dk1"/>
-          </a:fontRef>
-        </p:style>
-        <p:txBody>
-          <a:bodyPr rtlCol="0" anchor="ctr"/>
-          <a:lstStyle/>
-          <a:p>
-            <a:pPr algn="ctr"/>
-            <a:r>
-              <a:rPr lang="en-US" altLang="zh-CN" sz="1400" dirty="0"/>
-              <a:t>\\.</a:t>
-            </a:r>
-            <a:endParaRPr lang="zh-CN" altLang="en-US" sz="1400" dirty="0"/>
-          </a:p>
-        </p:txBody>
-      </p:sp>
-      <p:cxnSp>
-        <p:nvCxnSpPr>
-          <p:cNvPr id="79" name="连接符: 肘形 78">
-            <a:extLst>
-              <a:ext uri="{FF2B5EF4-FFF2-40B4-BE49-F238E27FC236}">
-                <a16:creationId xmlns:a16="http://schemas.microsoft.com/office/drawing/2014/main" id="{23C1F607-9632-4958-8841-F85FBD05A38B}"/>
-              </a:ext>
-            </a:extLst>
-          </p:cNvPr>
-          <p:cNvCxnSpPr>
-            <a:cxnSpLocks/>
-            <a:stCxn id="78" idx="0"/>
-            <a:endCxn id="77" idx="2"/>
-          </p:cNvCxnSpPr>
-          <p:nvPr/>
-        </p:nvCxnSpPr>
-        <p:spPr>
-          <a:xfrm rot="5400000" flipH="1" flipV="1">
-            <a:off x="8017661" y="4316709"/>
-            <a:ext cx="601579" cy="197760"/>
-          </a:xfrm>
-          <a:prstGeom prst="bentConnector3">
-            <a:avLst/>
-          </a:prstGeom>
-          <a:ln w="19050">
+          <a:ln>
             <a:tailEnd type="triangle"/>
           </a:ln>
         </p:spPr>
@@ -6401,7 +3917,7 @@
     </p:spTree>
     <p:extLst>
       <p:ext uri="{BB962C8B-B14F-4D97-AF65-F5344CB8AC3E}">
-        <p14:creationId xmlns:p14="http://schemas.microsoft.com/office/powerpoint/2010/main" val="4134331597"/>
+        <p14:creationId xmlns:p14="http://schemas.microsoft.com/office/powerpoint/2010/main" val="3996228668"/>
       </p:ext>
     </p:extLst>
   </p:cSld>
